--- a/module-1/01-07 Developing the Web API Business Rules/01-07 Developing the Web API Business Rules.pptx
+++ b/module-1/01-07 Developing the Web API Business Rules/01-07 Developing the Web API Business Rules.pptx
@@ -6,19 +6,18 @@
     <p:sldMasterId id="2147483684" r:id="rId2"/>
   </p:sldMasterIdLst>
   <p:notesMasterIdLst>
-    <p:notesMasterId r:id="rId13"/>
+    <p:notesMasterId r:id="rId12"/>
   </p:notesMasterIdLst>
   <p:sldIdLst>
-    <p:sldId id="261" r:id="rId3"/>
-    <p:sldId id="256" r:id="rId4"/>
-    <p:sldId id="257" r:id="rId5"/>
-    <p:sldId id="269" r:id="rId6"/>
-    <p:sldId id="270" r:id="rId7"/>
-    <p:sldId id="271" r:id="rId8"/>
-    <p:sldId id="264" r:id="rId9"/>
-    <p:sldId id="268" r:id="rId10"/>
-    <p:sldId id="266" r:id="rId11"/>
-    <p:sldId id="267" r:id="rId12"/>
+    <p:sldId id="256" r:id="rId3"/>
+    <p:sldId id="257" r:id="rId4"/>
+    <p:sldId id="269" r:id="rId5"/>
+    <p:sldId id="270" r:id="rId6"/>
+    <p:sldId id="271" r:id="rId7"/>
+    <p:sldId id="264" r:id="rId8"/>
+    <p:sldId id="268" r:id="rId9"/>
+    <p:sldId id="266" r:id="rId10"/>
+    <p:sldId id="267" r:id="rId11"/>
   </p:sldIdLst>
   <p:sldSz cx="12192000" cy="6858000"/>
   <p:notesSz cx="6858000" cy="9144000"/>
@@ -207,7 +206,7 @@
           <a:p>
             <a:fld id="{6050CDE0-8281-4F20-AADF-7F31818DD123}" type="datetimeFigureOut">
               <a:rPr lang="en-US" smtClean="0"/>
-              <a:t>10/4/2021</a:t>
+              <a:t>5/17/2022</a:t>
             </a:fld>
             <a:endParaRPr lang="en-US"/>
           </a:p>
@@ -474,158 +473,6 @@
 </p:notesMaster>
 </file>
 
-<file path=ppt/notesSlides/notesSlide1.xml><?xml version="1.0" encoding="utf-8"?>
-<p:notes xmlns:a="http://schemas.openxmlformats.org/drawingml/2006/main" xmlns:r="http://schemas.openxmlformats.org/officeDocument/2006/relationships" xmlns:p="http://schemas.openxmlformats.org/presentationml/2006/main">
-  <p:cSld>
-    <p:spTree>
-      <p:nvGrpSpPr>
-        <p:cNvPr id="1" name=""/>
-        <p:cNvGrpSpPr/>
-        <p:nvPr/>
-      </p:nvGrpSpPr>
-      <p:grpSpPr>
-        <a:xfrm>
-          <a:off x="0" y="0"/>
-          <a:ext cx="0" cy="0"/>
-          <a:chOff x="0" y="0"/>
-          <a:chExt cx="0" cy="0"/>
-        </a:xfrm>
-      </p:grpSpPr>
-      <p:sp>
-        <p:nvSpPr>
-          <p:cNvPr id="2" name="Slide Image Placeholder 1"/>
-          <p:cNvSpPr>
-            <a:spLocks noGrp="1" noRot="1" noChangeAspect="1"/>
-          </p:cNvSpPr>
-          <p:nvPr>
-            <p:ph type="sldImg"/>
-          </p:nvPr>
-        </p:nvSpPr>
-        <p:spPr/>
-      </p:sp>
-      <p:sp>
-        <p:nvSpPr>
-          <p:cNvPr id="3" name="Notes Placeholder 2"/>
-          <p:cNvSpPr>
-            <a:spLocks noGrp="1"/>
-          </p:cNvSpPr>
-          <p:nvPr>
-            <p:ph type="body" idx="1"/>
-          </p:nvPr>
-        </p:nvSpPr>
-        <p:spPr/>
-        <p:txBody>
-          <a:bodyPr/>
-          <a:lstStyle/>
-          <a:p>
-            <a:endParaRPr lang="en-US" dirty="0"/>
-          </a:p>
-        </p:txBody>
-      </p:sp>
-      <p:sp>
-        <p:nvSpPr>
-          <p:cNvPr id="4" name="Slide Number Placeholder 3"/>
-          <p:cNvSpPr>
-            <a:spLocks noGrp="1"/>
-          </p:cNvSpPr>
-          <p:nvPr>
-            <p:ph type="sldNum" sz="quarter" idx="10"/>
-          </p:nvPr>
-        </p:nvSpPr>
-        <p:spPr>
-          <a:xfrm>
-            <a:off x="3884613" y="8685213"/>
-            <a:ext cx="2971800" cy="457200"/>
-          </a:xfrm>
-          <a:prstGeom prst="rect">
-            <a:avLst/>
-          </a:prstGeom>
-        </p:spPr>
-        <p:txBody>
-          <a:bodyPr/>
-          <a:lstStyle/>
-          <a:p>
-            <a:pPr marL="0" marR="0" lvl="0" indent="0" algn="l" defTabSz="914400" rtl="0" eaLnBrk="1" fontAlgn="auto" latinLnBrk="0" hangingPunct="1">
-              <a:lnSpc>
-                <a:spcPct val="100000"/>
-              </a:lnSpc>
-              <a:spcBef>
-                <a:spcPts val="0"/>
-              </a:spcBef>
-              <a:spcAft>
-                <a:spcPts val="0"/>
-              </a:spcAft>
-              <a:buClrTx/>
-              <a:buSzTx/>
-              <a:buFontTx/>
-              <a:buNone/>
-              <a:tabLst/>
-              <a:defRPr/>
-            </a:pPr>
-            <a:fld id="{DE326DE0-BACA-4EA0-B73F-CC7DC1D7F4A1}" type="slidenum">
-              <a:rPr kumimoji="0" lang="en-US" sz="1800" b="0" i="0" u="none" strike="noStrike" kern="1200" cap="none" spc="0" normalizeH="0" baseline="0" noProof="0" smtClean="0">
-                <a:ln>
-                  <a:noFill/>
-                </a:ln>
-                <a:solidFill>
-                  <a:prstClr val="black"/>
-                </a:solidFill>
-                <a:effectLst/>
-                <a:uLnTx/>
-                <a:uFillTx/>
-                <a:latin typeface="Calibri"/>
-                <a:ea typeface="+mn-ea"/>
-                <a:cs typeface="+mn-cs"/>
-              </a:rPr>
-              <a:pPr marL="0" marR="0" lvl="0" indent="0" algn="l" defTabSz="914400" rtl="0" eaLnBrk="1" fontAlgn="auto" latinLnBrk="0" hangingPunct="1">
-                <a:lnSpc>
-                  <a:spcPct val="100000"/>
-                </a:lnSpc>
-                <a:spcBef>
-                  <a:spcPts val="0"/>
-                </a:spcBef>
-                <a:spcAft>
-                  <a:spcPts val="0"/>
-                </a:spcAft>
-                <a:buClrTx/>
-                <a:buSzTx/>
-                <a:buFontTx/>
-                <a:buNone/>
-                <a:tabLst/>
-                <a:defRPr/>
-              </a:pPr>
-              <a:t>1</a:t>
-            </a:fld>
-            <a:endParaRPr kumimoji="0" lang="en-US" sz="1800" b="0" i="0" u="none" strike="noStrike" kern="1200" cap="none" spc="0" normalizeH="0" baseline="0" noProof="0">
-              <a:ln>
-                <a:noFill/>
-              </a:ln>
-              <a:solidFill>
-                <a:prstClr val="black"/>
-              </a:solidFill>
-              <a:effectLst/>
-              <a:uLnTx/>
-              <a:uFillTx/>
-              <a:latin typeface="Calibri"/>
-              <a:ea typeface="+mn-ea"/>
-              <a:cs typeface="+mn-cs"/>
-            </a:endParaRPr>
-          </a:p>
-        </p:txBody>
-      </p:sp>
-    </p:spTree>
-    <p:extLst>
-      <p:ext uri="{BB962C8B-B14F-4D97-AF65-F5344CB8AC3E}">
-        <p14:creationId xmlns:p14="http://schemas.microsoft.com/office/powerpoint/2010/main" val="4261198586"/>
-      </p:ext>
-    </p:extLst>
-  </p:cSld>
-  <p:clrMapOvr>
-    <a:masterClrMapping/>
-  </p:clrMapOvr>
-</p:notes>
-</file>
-
 <file path=ppt/slideLayouts/slideLayout1.xml><?xml version="1.0" encoding="utf-8"?>
 <p:sldLayout xmlns:a="http://schemas.openxmlformats.org/drawingml/2006/main" xmlns:r="http://schemas.openxmlformats.org/officeDocument/2006/relationships" xmlns:p="http://schemas.openxmlformats.org/presentationml/2006/main" showMasterSp="0" type="title" preserve="1">
   <p:cSld name="Title Slide">
@@ -854,7 +701,7 @@
           <a:p>
             <a:fld id="{21C31B38-3FD9-4254-98BC-9CD73FDB3644}" type="datetimeFigureOut">
               <a:rPr lang="en-US" smtClean="0"/>
-              <a:t>10/4/2021</a:t>
+              <a:t>5/17/2022</a:t>
             </a:fld>
             <a:endParaRPr lang="en-US"/>
           </a:p>
@@ -1062,7 +909,7 @@
           <a:p>
             <a:fld id="{21C31B38-3FD9-4254-98BC-9CD73FDB3644}" type="datetimeFigureOut">
               <a:rPr lang="en-US" smtClean="0"/>
-              <a:t>10/4/2021</a:t>
+              <a:t>5/17/2022</a:t>
             </a:fld>
             <a:endParaRPr lang="en-US"/>
           </a:p>
@@ -1320,7 +1167,7 @@
           <a:p>
             <a:fld id="{21C31B38-3FD9-4254-98BC-9CD73FDB3644}" type="datetimeFigureOut">
               <a:rPr lang="en-US" smtClean="0"/>
-              <a:t>10/4/2021</a:t>
+              <a:t>5/17/2022</a:t>
             </a:fld>
             <a:endParaRPr lang="en-US"/>
           </a:p>
@@ -1560,7 +1407,7 @@
           <a:p>
             <a:fld id="{D088F999-7A4E-6B4F-9FED-EF75B73AD044}" type="datetimeFigureOut">
               <a:rPr lang="en-US" smtClean="0"/>
-              <a:t>10/4/2021</a:t>
+              <a:t>5/17/2022</a:t>
             </a:fld>
             <a:endParaRPr lang="en-US"/>
           </a:p>
@@ -1728,7 +1575,7 @@
           <a:p>
             <a:fld id="{D088F999-7A4E-6B4F-9FED-EF75B73AD044}" type="datetimeFigureOut">
               <a:rPr lang="en-US" smtClean="0"/>
-              <a:t>10/4/2021</a:t>
+              <a:t>5/17/2022</a:t>
             </a:fld>
             <a:endParaRPr lang="en-US"/>
           </a:p>
@@ -1973,7 +1820,7 @@
           <a:p>
             <a:fld id="{D088F999-7A4E-6B4F-9FED-EF75B73AD044}" type="datetimeFigureOut">
               <a:rPr lang="en-US" smtClean="0"/>
-              <a:t>10/4/2021</a:t>
+              <a:t>5/17/2022</a:t>
             </a:fld>
             <a:endParaRPr lang="en-US"/>
           </a:p>
@@ -2258,7 +2105,7 @@
           <a:p>
             <a:fld id="{D088F999-7A4E-6B4F-9FED-EF75B73AD044}" type="datetimeFigureOut">
               <a:rPr lang="en-US" smtClean="0"/>
-              <a:t>10/4/2021</a:t>
+              <a:t>5/17/2022</a:t>
             </a:fld>
             <a:endParaRPr lang="en-US"/>
           </a:p>
@@ -2677,7 +2524,7 @@
           <a:p>
             <a:fld id="{D088F999-7A4E-6B4F-9FED-EF75B73AD044}" type="datetimeFigureOut">
               <a:rPr lang="en-US" smtClean="0"/>
-              <a:t>10/4/2021</a:t>
+              <a:t>5/17/2022</a:t>
             </a:fld>
             <a:endParaRPr lang="en-US"/>
           </a:p>
@@ -2794,7 +2641,7 @@
           <a:p>
             <a:fld id="{D088F999-7A4E-6B4F-9FED-EF75B73AD044}" type="datetimeFigureOut">
               <a:rPr lang="en-US" smtClean="0"/>
-              <a:t>10/4/2021</a:t>
+              <a:t>5/17/2022</a:t>
             </a:fld>
             <a:endParaRPr lang="en-US"/>
           </a:p>
@@ -2889,7 +2736,7 @@
           <a:p>
             <a:fld id="{D088F999-7A4E-6B4F-9FED-EF75B73AD044}" type="datetimeFigureOut">
               <a:rPr lang="en-US" smtClean="0"/>
-              <a:t>10/4/2021</a:t>
+              <a:t>5/17/2022</a:t>
             </a:fld>
             <a:endParaRPr lang="en-US"/>
           </a:p>
@@ -3164,7 +3011,7 @@
           <a:p>
             <a:fld id="{D088F999-7A4E-6B4F-9FED-EF75B73AD044}" type="datetimeFigureOut">
               <a:rPr lang="en-US" smtClean="0"/>
-              <a:t>10/4/2021</a:t>
+              <a:t>5/17/2022</a:t>
             </a:fld>
             <a:endParaRPr lang="en-US"/>
           </a:p>
@@ -3334,7 +3181,7 @@
           <a:p>
             <a:fld id="{21C31B38-3FD9-4254-98BC-9CD73FDB3644}" type="datetimeFigureOut">
               <a:rPr lang="en-US" smtClean="0"/>
-              <a:t>10/4/2021</a:t>
+              <a:t>5/17/2022</a:t>
             </a:fld>
             <a:endParaRPr lang="en-US"/>
           </a:p>
@@ -3586,7 +3433,7 @@
           <a:p>
             <a:fld id="{D088F999-7A4E-6B4F-9FED-EF75B73AD044}" type="datetimeFigureOut">
               <a:rPr lang="en-US" smtClean="0"/>
-              <a:t>10/4/2021</a:t>
+              <a:t>5/17/2022</a:t>
             </a:fld>
             <a:endParaRPr lang="en-US"/>
           </a:p>
@@ -3754,7 +3601,7 @@
           <a:p>
             <a:fld id="{D088F999-7A4E-6B4F-9FED-EF75B73AD044}" type="datetimeFigureOut">
               <a:rPr lang="en-US" smtClean="0"/>
-              <a:t>10/4/2021</a:t>
+              <a:t>5/17/2022</a:t>
             </a:fld>
             <a:endParaRPr lang="en-US"/>
           </a:p>
@@ -3932,7 +3779,7 @@
           <a:p>
             <a:fld id="{D088F999-7A4E-6B4F-9FED-EF75B73AD044}" type="datetimeFigureOut">
               <a:rPr lang="en-US" smtClean="0"/>
-              <a:t>10/4/2021</a:t>
+              <a:t>5/17/2022</a:t>
             </a:fld>
             <a:endParaRPr lang="en-US"/>
           </a:p>
@@ -4269,7 +4116,7 @@
           <a:p>
             <a:fld id="{21C31B38-3FD9-4254-98BC-9CD73FDB3644}" type="datetimeFigureOut">
               <a:rPr lang="en-US" smtClean="0"/>
-              <a:t>10/4/2021</a:t>
+              <a:t>5/17/2022</a:t>
             </a:fld>
             <a:endParaRPr lang="en-US"/>
           </a:p>
@@ -4544,7 +4391,7 @@
           <a:p>
             <a:fld id="{21C31B38-3FD9-4254-98BC-9CD73FDB3644}" type="datetimeFigureOut">
               <a:rPr lang="en-US" smtClean="0"/>
-              <a:t>10/4/2021</a:t>
+              <a:t>5/17/2022</a:t>
             </a:fld>
             <a:endParaRPr lang="en-US"/>
           </a:p>
@@ -4927,7 +4774,7 @@
           <a:p>
             <a:fld id="{21C31B38-3FD9-4254-98BC-9CD73FDB3644}" type="datetimeFigureOut">
               <a:rPr lang="en-US" smtClean="0"/>
-              <a:t>10/4/2021</a:t>
+              <a:t>5/17/2022</a:t>
             </a:fld>
             <a:endParaRPr lang="en-US"/>
           </a:p>
@@ -5045,7 +4892,7 @@
           <a:p>
             <a:fld id="{21C31B38-3FD9-4254-98BC-9CD73FDB3644}" type="datetimeFigureOut">
               <a:rPr lang="en-US" smtClean="0"/>
-              <a:t>10/4/2021</a:t>
+              <a:t>5/17/2022</a:t>
             </a:fld>
             <a:endParaRPr lang="en-US"/>
           </a:p>
@@ -5218,7 +5065,7 @@
           <a:p>
             <a:fld id="{21C31B38-3FD9-4254-98BC-9CD73FDB3644}" type="datetimeFigureOut">
               <a:rPr lang="en-US" smtClean="0"/>
-              <a:t>10/4/2021</a:t>
+              <a:t>5/17/2022</a:t>
             </a:fld>
             <a:endParaRPr lang="en-US"/>
           </a:p>
@@ -5574,7 +5421,7 @@
           <a:p>
             <a:fld id="{21C31B38-3FD9-4254-98BC-9CD73FDB3644}" type="datetimeFigureOut">
               <a:rPr lang="en-US" smtClean="0"/>
-              <a:t>10/4/2021</a:t>
+              <a:t>5/17/2022</a:t>
             </a:fld>
             <a:endParaRPr lang="en-US"/>
           </a:p>
@@ -5922,7 +5769,7 @@
           <a:p>
             <a:fld id="{21C31B38-3FD9-4254-98BC-9CD73FDB3644}" type="datetimeFigureOut">
               <a:rPr lang="en-US" smtClean="0"/>
-              <a:t>10/4/2021</a:t>
+              <a:t>5/17/2022</a:t>
             </a:fld>
             <a:endParaRPr lang="en-US"/>
           </a:p>
@@ -6233,7 +6080,7 @@
           <a:p>
             <a:fld id="{21C31B38-3FD9-4254-98BC-9CD73FDB3644}" type="datetimeFigureOut">
               <a:rPr lang="en-US" smtClean="0"/>
-              <a:t>10/4/2021</a:t>
+              <a:t>5/17/2022</a:t>
             </a:fld>
             <a:endParaRPr lang="en-US"/>
           </a:p>
@@ -6899,7 +6746,7 @@
           <a:p>
             <a:fld id="{D088F999-7A4E-6B4F-9FED-EF75B73AD044}" type="datetimeFigureOut">
               <a:rPr lang="en-US" smtClean="0"/>
-              <a:t>10/4/2021</a:t>
+              <a:t>5/17/2022</a:t>
             </a:fld>
             <a:endParaRPr lang="en-US"/>
           </a:p>
@@ -7274,386 +7121,1634 @@
           <a:chExt cx="0" cy="0"/>
         </a:xfrm>
       </p:grpSpPr>
-      <p:sp>
-        <p:nvSpPr>
-          <p:cNvPr id="4" name="Rectangle 3">
+      <p:pic>
+        <p:nvPicPr>
+          <p:cNvPr id="5" name="Picture 4">
             <a:extLst>
               <a:ext uri="{FF2B5EF4-FFF2-40B4-BE49-F238E27FC236}">
-                <a16:creationId xmlns:a16="http://schemas.microsoft.com/office/drawing/2014/main" id="{2DB7453A-5DFD-6B43-9EF9-B4DB30288921}"/>
+                <a16:creationId xmlns:a16="http://schemas.microsoft.com/office/drawing/2014/main" id="{B946C6F9-B69A-4AE2-B492-CA4DFC744796}"/>
               </a:ext>
             </a:extLst>
           </p:cNvPr>
-          <p:cNvSpPr/>
+          <p:cNvPicPr>
+            <a:picLocks noChangeAspect="1"/>
+          </p:cNvPicPr>
           <p:nvPr/>
-        </p:nvSpPr>
+        </p:nvPicPr>
+        <p:blipFill rotWithShape="1">
+          <a:blip r:embed="rId2">
+            <a:duotone>
+              <a:prstClr val="black"/>
+              <a:schemeClr val="tx2">
+                <a:tint val="45000"/>
+                <a:satMod val="400000"/>
+              </a:schemeClr>
+            </a:duotone>
+            <a:alphaModFix amt="40000"/>
+          </a:blip>
+          <a:srcRect t="29687"/>
+          <a:stretch/>
+        </p:blipFill>
         <p:spPr>
           <a:xfrm>
-            <a:off x="0" y="4343400"/>
-            <a:ext cx="12192000" cy="2514600"/>
+            <a:off x="20" y="10"/>
+            <a:ext cx="12191980" cy="6857991"/>
           </a:xfrm>
           <a:prstGeom prst="rect">
             <a:avLst/>
           </a:prstGeom>
-          <a:solidFill>
-            <a:srgbClr val="403938"/>
-          </a:solidFill>
-          <a:ln>
-            <a:noFill/>
-          </a:ln>
         </p:spPr>
-        <p:style>
-          <a:lnRef idx="1">
-            <a:schemeClr val="accent1"/>
-          </a:lnRef>
-          <a:fillRef idx="3">
-            <a:schemeClr val="accent1"/>
-          </a:fillRef>
-          <a:effectRef idx="2">
-            <a:schemeClr val="accent1"/>
-          </a:effectRef>
-          <a:fontRef idx="minor">
-            <a:schemeClr val="lt1"/>
-          </a:fontRef>
-        </p:style>
-        <p:txBody>
-          <a:bodyPr rtlCol="0" anchor="ctr"/>
-          <a:lstStyle/>
-          <a:p>
-            <a:pPr algn="ctr" defTabSz="1219170"/>
-            <a:endParaRPr lang="en-US" sz="2400" dirty="0">
+      </p:pic>
+      <p:sp>
+        <p:nvSpPr>
+          <p:cNvPr id="2" name="Title 1">
+            <a:extLst>
+              <a:ext uri="{FF2B5EF4-FFF2-40B4-BE49-F238E27FC236}">
+                <a16:creationId xmlns:a16="http://schemas.microsoft.com/office/drawing/2014/main" id="{A4269162-A3AB-4D38-8019-28F15533A268}"/>
+              </a:ext>
+            </a:extLst>
+          </p:cNvPr>
+          <p:cNvSpPr>
+            <a:spLocks noGrp="1"/>
+          </p:cNvSpPr>
+          <p:nvPr>
+            <p:ph type="ctrTitle"/>
+          </p:nvPr>
+        </p:nvSpPr>
+        <p:spPr/>
+        <p:txBody>
+          <a:bodyPr>
+            <a:normAutofit/>
+          </a:bodyPr>
+          <a:lstStyle/>
+          <a:p>
+            <a:r>
+              <a:rPr lang="en-US" dirty="0"/>
+              <a:t>Developing the API Business Rules</a:t>
+            </a:r>
+          </a:p>
+        </p:txBody>
+      </p:sp>
+      <p:sp>
+        <p:nvSpPr>
+          <p:cNvPr id="3" name="Subtitle 2">
+            <a:extLst>
+              <a:ext uri="{FF2B5EF4-FFF2-40B4-BE49-F238E27FC236}">
+                <a16:creationId xmlns:a16="http://schemas.microsoft.com/office/drawing/2014/main" id="{3C055530-7E06-4073-BB91-4644696C37BF}"/>
+              </a:ext>
+            </a:extLst>
+          </p:cNvPr>
+          <p:cNvSpPr>
+            <a:spLocks noGrp="1"/>
+          </p:cNvSpPr>
+          <p:nvPr>
+            <p:ph type="subTitle" idx="1"/>
+          </p:nvPr>
+        </p:nvSpPr>
+        <p:spPr/>
+        <p:txBody>
+          <a:bodyPr>
+            <a:normAutofit/>
+          </a:bodyPr>
+          <a:lstStyle/>
+          <a:p>
+            <a:r>
+              <a:rPr lang="en-US" b="0" i="0" dirty="0">
+                <a:solidFill>
+                  <a:schemeClr val="tx1"/>
+                </a:solidFill>
+                <a:effectLst/>
+                <a:latin typeface="Roboto" panose="02000000000000000000" pitchFamily="2" charset="0"/>
+              </a:rPr>
+              <a:t>Learn to Produce Effective</a:t>
+            </a:r>
+            <a:br>
+              <a:rPr lang="en-US" dirty="0">
+                <a:solidFill>
+                  <a:schemeClr val="tx1"/>
+                </a:solidFill>
+              </a:rPr>
+            </a:br>
+            <a:r>
+              <a:rPr lang="en-US" b="0" i="0" dirty="0">
+                <a:solidFill>
+                  <a:schemeClr val="tx1"/>
+                </a:solidFill>
+                <a:effectLst/>
+                <a:latin typeface="Roboto" panose="02000000000000000000" pitchFamily="2" charset="0"/>
+              </a:rPr>
+              <a:t>Web APIs with ASP.NET 6</a:t>
+            </a:r>
+            <a:endParaRPr lang="en-US" dirty="0">
               <a:solidFill>
-                <a:prstClr val="white"/>
+                <a:schemeClr val="tx1"/>
               </a:solidFill>
-              <a:latin typeface="Calibri"/>
             </a:endParaRPr>
           </a:p>
         </p:txBody>
       </p:sp>
-      <p:sp>
-        <p:nvSpPr>
-          <p:cNvPr id="6" name="Rectangle 5"/>
-          <p:cNvSpPr>
-            <a:spLocks noChangeArrowheads="1"/>
-          </p:cNvSpPr>
+    </p:spTree>
+    <p:extLst>
+      <p:ext uri="{BB962C8B-B14F-4D97-AF65-F5344CB8AC3E}">
+        <p14:creationId xmlns:p14="http://schemas.microsoft.com/office/powerpoint/2010/main" val="690398364"/>
+      </p:ext>
+    </p:extLst>
+  </p:cSld>
+  <p:clrMapOvr>
+    <a:masterClrMapping/>
+  </p:clrMapOvr>
+</p:sld>
+</file>
+
+<file path=ppt/slides/slide2.xml><?xml version="1.0" encoding="utf-8"?>
+<p:sld xmlns:a="http://schemas.openxmlformats.org/drawingml/2006/main" xmlns:r="http://schemas.openxmlformats.org/officeDocument/2006/relationships" xmlns:p="http://schemas.openxmlformats.org/presentationml/2006/main">
+  <p:cSld>
+    <p:spTree>
+      <p:nvGrpSpPr>
+        <p:cNvPr id="1" name=""/>
+        <p:cNvGrpSpPr/>
+        <p:nvPr/>
+      </p:nvGrpSpPr>
+      <p:grpSpPr>
+        <a:xfrm>
+          <a:off x="0" y="0"/>
+          <a:ext cx="0" cy="0"/>
+          <a:chOff x="0" y="0"/>
+          <a:chExt cx="0" cy="0"/>
+        </a:xfrm>
+      </p:grpSpPr>
+      <p:sp>
+        <p:nvSpPr>
+          <p:cNvPr id="2" name="Title 1">
+            <a:extLst>
+              <a:ext uri="{FF2B5EF4-FFF2-40B4-BE49-F238E27FC236}">
+                <a16:creationId xmlns:a16="http://schemas.microsoft.com/office/drawing/2014/main" id="{A4C3B14C-8B27-4499-8B10-ED1AE6ABE864}"/>
+              </a:ext>
+            </a:extLst>
+          </p:cNvPr>
+          <p:cNvSpPr>
+            <a:spLocks noGrp="1"/>
+          </p:cNvSpPr>
+          <p:nvPr>
+            <p:ph type="title"/>
+          </p:nvPr>
+        </p:nvSpPr>
+        <p:spPr/>
+        <p:txBody>
+          <a:bodyPr/>
+          <a:lstStyle/>
+          <a:p>
+            <a:r>
+              <a:rPr lang="en-US" dirty="0"/>
+              <a:t>FluentValidation</a:t>
+            </a:r>
+          </a:p>
+        </p:txBody>
+      </p:sp>
+      <p:sp>
+        <p:nvSpPr>
+          <p:cNvPr id="3" name="Content Placeholder 2">
+            <a:extLst>
+              <a:ext uri="{FF2B5EF4-FFF2-40B4-BE49-F238E27FC236}">
+                <a16:creationId xmlns:a16="http://schemas.microsoft.com/office/drawing/2014/main" id="{B8D30C4C-EC32-47DB-A0AC-9874BCE31343}"/>
+              </a:ext>
+            </a:extLst>
+          </p:cNvPr>
+          <p:cNvSpPr>
+            <a:spLocks noGrp="1"/>
+          </p:cNvSpPr>
+          <p:nvPr>
+            <p:ph idx="1"/>
+          </p:nvPr>
+        </p:nvSpPr>
+        <p:spPr>
+          <a:xfrm>
+            <a:off x="1097280" y="1845734"/>
+            <a:ext cx="10058400" cy="478366"/>
+          </a:xfrm>
+        </p:spPr>
+        <p:txBody>
+          <a:bodyPr/>
+          <a:lstStyle/>
+          <a:p>
+            <a:r>
+              <a:rPr lang="en-US" sz="2400" dirty="0"/>
+              <a:t>FluentValidation is a .NET library for building strongly-typed validation rules.</a:t>
+            </a:r>
+          </a:p>
+          <a:p>
+            <a:endParaRPr lang="en-US" dirty="0"/>
+          </a:p>
+          <a:p>
+            <a:endParaRPr lang="en-US" dirty="0"/>
+          </a:p>
+          <a:p>
+            <a:endParaRPr lang="en-US" dirty="0"/>
+          </a:p>
+        </p:txBody>
+      </p:sp>
+      <p:sp>
+        <p:nvSpPr>
+          <p:cNvPr id="5" name="TextBox 4">
+            <a:extLst>
+              <a:ext uri="{FF2B5EF4-FFF2-40B4-BE49-F238E27FC236}">
+                <a16:creationId xmlns:a16="http://schemas.microsoft.com/office/drawing/2014/main" id="{AB0C5B38-7656-42A1-87B3-26A7C7B3D217}"/>
+              </a:ext>
+            </a:extLst>
+          </p:cNvPr>
+          <p:cNvSpPr txBox="1"/>
           <p:nvPr/>
         </p:nvSpPr>
-        <p:spPr bwMode="auto">
+        <p:spPr>
           <a:xfrm>
-            <a:off x="304800" y="4826683"/>
-            <a:ext cx="5317067" cy="1727200"/>
+            <a:off x="1097280" y="2432474"/>
+            <a:ext cx="10256520" cy="3785652"/>
           </a:xfrm>
           <a:prstGeom prst="rect">
             <a:avLst/>
           </a:prstGeom>
           <a:noFill/>
-          <a:ln>
-            <a:noFill/>
-          </a:ln>
-          <a:effectLst/>
-          <a:extLst>
-            <a:ext uri="{909E8E84-426E-40DD-AFC4-6F175D3DCCD1}">
-              <a14:hiddenFill xmlns:a14="http://schemas.microsoft.com/office/drawing/2010/main">
-                <a:solidFill>
-                  <a:schemeClr val="accent1"/>
-                </a:solidFill>
-              </a14:hiddenFill>
-            </a:ext>
-            <a:ext uri="{91240B29-F687-4F45-9708-019B960494DF}">
-              <a14:hiddenLine xmlns:a14="http://schemas.microsoft.com/office/drawing/2010/main" w="9525">
-                <a:solidFill>
-                  <a:schemeClr val="tx1"/>
-                </a:solidFill>
-                <a:miter lim="800000"/>
-                <a:headEnd/>
-                <a:tailEnd/>
-              </a14:hiddenLine>
-            </a:ext>
-            <a:ext uri="{AF507438-7753-43E0-B8FC-AC1667EBCBE1}">
-              <a14:hiddenEffects xmlns:a14="http://schemas.microsoft.com/office/drawing/2010/main">
-                <a:effectLst>
-                  <a:outerShdw dist="35921" dir="2700000" algn="ctr" rotWithShape="0">
-                    <a:schemeClr val="bg2"/>
-                  </a:outerShdw>
-                </a:effectLst>
-              </a14:hiddenEffects>
-            </a:ext>
-          </a:extLst>
-        </p:spPr>
-        <p:txBody>
-          <a:bodyPr lIns="114564" tIns="57283" rIns="114564" bIns="57283"/>
-          <a:lstStyle/>
-          <a:p>
-            <a:pPr defTabSz="1219170">
-              <a:defRPr/>
-            </a:pPr>
-            <a:r>
-              <a:rPr lang="en-US" sz="4267" b="1" dirty="0">
-                <a:solidFill>
-                  <a:prstClr val="white"/>
-                </a:solidFill>
-                <a:latin typeface="Arial" charset="0"/>
-              </a:rPr>
-              <a:t>Chris Woodruff</a:t>
-            </a:r>
-            <a:endParaRPr lang="en-US" sz="3733" b="1" dirty="0">
-              <a:solidFill>
-                <a:prstClr val="white"/>
-              </a:solidFill>
-              <a:latin typeface="Arial" charset="0"/>
-            </a:endParaRPr>
-          </a:p>
-          <a:p>
-            <a:pPr defTabSz="1219170">
-              <a:defRPr/>
-            </a:pPr>
-            <a:r>
-              <a:rPr lang="en-US" sz="3200" b="1" dirty="0" err="1">
-                <a:solidFill>
-                  <a:prstClr val="white"/>
-                </a:solidFill>
-                <a:latin typeface="Arial" charset="0"/>
-              </a:rPr>
-              <a:t>LearningAbout.Dev</a:t>
-            </a:r>
-            <a:endParaRPr lang="en-US" sz="3200" b="1" dirty="0">
-              <a:solidFill>
-                <a:prstClr val="white"/>
-              </a:solidFill>
-              <a:latin typeface="Arial" charset="0"/>
-            </a:endParaRPr>
-          </a:p>
-          <a:p>
-            <a:pPr defTabSz="1219170">
-              <a:defRPr/>
-            </a:pPr>
-            <a:endParaRPr lang="en-US" sz="2400" b="1" dirty="0">
-              <a:solidFill>
-                <a:prstClr val="white"/>
-              </a:solidFill>
-              <a:latin typeface="Arial" charset="0"/>
-            </a:endParaRPr>
-          </a:p>
-          <a:p>
-            <a:pPr defTabSz="1219170">
-              <a:defRPr/>
-            </a:pPr>
-            <a:endParaRPr lang="en-US" sz="1867" dirty="0">
-              <a:solidFill>
-                <a:prstClr val="white"/>
-              </a:solidFill>
-              <a:latin typeface="Times New Roman" pitchFamily="28" charset="0"/>
-            </a:endParaRPr>
-          </a:p>
-        </p:txBody>
-      </p:sp>
-      <p:sp>
-        <p:nvSpPr>
-          <p:cNvPr id="7" name="Text Box 7"/>
-          <p:cNvSpPr txBox="1">
-            <a:spLocks noChangeArrowheads="1"/>
-          </p:cNvSpPr>
-          <p:nvPr/>
-        </p:nvSpPr>
-        <p:spPr bwMode="auto">
-          <a:xfrm>
-            <a:off x="7924801" y="4824276"/>
-            <a:ext cx="4889497" cy="830997"/>
-          </a:xfrm>
-          <a:prstGeom prst="rect">
-            <a:avLst/>
-          </a:prstGeom>
-          <a:noFill/>
-          <a:ln>
-            <a:noFill/>
-          </a:ln>
-          <a:effectLst/>
-          <a:extLst>
-            <a:ext uri="{909E8E84-426E-40DD-AFC4-6F175D3DCCD1}">
-              <a14:hiddenFill xmlns:a14="http://schemas.microsoft.com/office/drawing/2010/main">
-                <a:solidFill>
-                  <a:schemeClr val="accent1"/>
-                </a:solidFill>
-              </a14:hiddenFill>
-            </a:ext>
-            <a:ext uri="{91240B29-F687-4F45-9708-019B960494DF}">
-              <a14:hiddenLine xmlns:a14="http://schemas.microsoft.com/office/drawing/2010/main" w="9525" algn="ctr">
-                <a:solidFill>
-                  <a:schemeClr val="tx1"/>
-                </a:solidFill>
-                <a:miter lim="800000"/>
-                <a:headEnd/>
-                <a:tailEnd/>
-              </a14:hiddenLine>
-            </a:ext>
-            <a:ext uri="{AF507438-7753-43E0-B8FC-AC1667EBCBE1}">
-              <a14:hiddenEffects xmlns:a14="http://schemas.microsoft.com/office/drawing/2010/main">
-                <a:effectLst>
-                  <a:outerShdw dist="35921" dir="2700000" algn="ctr" rotWithShape="0">
-                    <a:schemeClr val="bg2"/>
-                  </a:outerShdw>
-                </a:effectLst>
-              </a14:hiddenEffects>
-            </a:ext>
-          </a:extLst>
         </p:spPr>
         <p:txBody>
           <a:bodyPr wrap="square">
             <a:spAutoFit/>
           </a:bodyPr>
-          <a:lstStyle>
-            <a:lvl1pPr>
-              <a:defRPr sz="1600">
-                <a:solidFill>
-                  <a:schemeClr val="tx1"/>
-                </a:solidFill>
-                <a:latin typeface="Lucida Console" pitchFamily="49" charset="0"/>
-                <a:cs typeface="Arial" charset="0"/>
-              </a:defRPr>
-            </a:lvl1pPr>
-            <a:lvl2pPr marL="742950" indent="-285750">
-              <a:defRPr sz="1600">
-                <a:solidFill>
-                  <a:schemeClr val="tx1"/>
-                </a:solidFill>
-                <a:latin typeface="Lucida Console" pitchFamily="49" charset="0"/>
-                <a:cs typeface="Arial" charset="0"/>
-              </a:defRPr>
-            </a:lvl2pPr>
-            <a:lvl3pPr marL="1143000" indent="-228600">
-              <a:defRPr sz="1600">
-                <a:solidFill>
-                  <a:schemeClr val="tx1"/>
-                </a:solidFill>
-                <a:latin typeface="Lucida Console" pitchFamily="49" charset="0"/>
-                <a:cs typeface="Arial" charset="0"/>
-              </a:defRPr>
-            </a:lvl3pPr>
-            <a:lvl4pPr marL="1600200" indent="-228600">
-              <a:defRPr sz="1600">
-                <a:solidFill>
-                  <a:schemeClr val="tx1"/>
-                </a:solidFill>
-                <a:latin typeface="Lucida Console" pitchFamily="49" charset="0"/>
-                <a:cs typeface="Arial" charset="0"/>
-              </a:defRPr>
-            </a:lvl4pPr>
-            <a:lvl5pPr marL="2057400" indent="-228600">
-              <a:defRPr sz="1600">
-                <a:solidFill>
-                  <a:schemeClr val="tx1"/>
-                </a:solidFill>
-                <a:latin typeface="Lucida Console" pitchFamily="49" charset="0"/>
-                <a:cs typeface="Arial" charset="0"/>
-              </a:defRPr>
-            </a:lvl5pPr>
-            <a:lvl6pPr marL="2514600" indent="-228600" eaLnBrk="0" fontAlgn="base" hangingPunct="0">
-              <a:spcBef>
-                <a:spcPct val="0"/>
-              </a:spcBef>
-              <a:spcAft>
-                <a:spcPct val="0"/>
-              </a:spcAft>
-              <a:defRPr sz="1600">
-                <a:solidFill>
-                  <a:schemeClr val="tx1"/>
-                </a:solidFill>
-                <a:latin typeface="Lucida Console" pitchFamily="49" charset="0"/>
-                <a:cs typeface="Arial" charset="0"/>
-              </a:defRPr>
-            </a:lvl6pPr>
-            <a:lvl7pPr marL="2971800" indent="-228600" eaLnBrk="0" fontAlgn="base" hangingPunct="0">
-              <a:spcBef>
-                <a:spcPct val="0"/>
-              </a:spcBef>
-              <a:spcAft>
-                <a:spcPct val="0"/>
-              </a:spcAft>
-              <a:defRPr sz="1600">
-                <a:solidFill>
-                  <a:schemeClr val="tx1"/>
-                </a:solidFill>
-                <a:latin typeface="Lucida Console" pitchFamily="49" charset="0"/>
-                <a:cs typeface="Arial" charset="0"/>
-              </a:defRPr>
-            </a:lvl7pPr>
-            <a:lvl8pPr marL="3429000" indent="-228600" eaLnBrk="0" fontAlgn="base" hangingPunct="0">
-              <a:spcBef>
-                <a:spcPct val="0"/>
-              </a:spcBef>
-              <a:spcAft>
-                <a:spcPct val="0"/>
-              </a:spcAft>
-              <a:defRPr sz="1600">
-                <a:solidFill>
-                  <a:schemeClr val="tx1"/>
-                </a:solidFill>
-                <a:latin typeface="Lucida Console" pitchFamily="49" charset="0"/>
-                <a:cs typeface="Arial" charset="0"/>
-              </a:defRPr>
-            </a:lvl8pPr>
-            <a:lvl9pPr marL="3886200" indent="-228600" eaLnBrk="0" fontAlgn="base" hangingPunct="0">
-              <a:spcBef>
-                <a:spcPct val="0"/>
-              </a:spcBef>
-              <a:spcAft>
-                <a:spcPct val="0"/>
-              </a:spcAft>
-              <a:defRPr sz="1600">
-                <a:solidFill>
-                  <a:schemeClr val="tx1"/>
-                </a:solidFill>
-                <a:latin typeface="Lucida Console" pitchFamily="49" charset="0"/>
-                <a:cs typeface="Arial" charset="0"/>
-              </a:defRPr>
-            </a:lvl9pPr>
-          </a:lstStyle>
-          <a:p>
-            <a:pPr defTabSz="1219170"/>
-            <a:r>
-              <a:rPr lang="en-US" sz="2667" dirty="0">
-                <a:solidFill>
-                  <a:prstClr val="white"/>
-                </a:solidFill>
-                <a:latin typeface="Arial" charset="0"/>
+          <a:lstStyle/>
+          <a:p>
+            <a:r>
+              <a:rPr lang="en-US" sz="2400" dirty="0">
+                <a:solidFill>
+                  <a:schemeClr val="accent5">
+                    <a:lumMod val="40000"/>
+                    <a:lumOff val="60000"/>
+                  </a:schemeClr>
+                </a:solidFill>
               </a:rPr>
-              <a:t>Level: Intermediate, etc.</a:t>
-            </a:r>
-          </a:p>
-          <a:p>
-            <a:pPr defTabSz="1219170"/>
-            <a:endParaRPr lang="en-US" sz="2133" b="1" dirty="0">
-              <a:solidFill>
-                <a:prstClr val="white"/>
-              </a:solidFill>
-              <a:latin typeface="Arial" charset="0"/>
-            </a:endParaRPr>
+              <a:t>public class </a:t>
+            </a:r>
+            <a:r>
+              <a:rPr lang="en-US" sz="2400" dirty="0" err="1">
+                <a:solidFill>
+                  <a:schemeClr val="accent5">
+                    <a:lumMod val="40000"/>
+                    <a:lumOff val="60000"/>
+                  </a:schemeClr>
+                </a:solidFill>
+              </a:rPr>
+              <a:t>AlbumValidator</a:t>
+            </a:r>
+            <a:r>
+              <a:rPr lang="en-US" sz="2400" dirty="0">
+                <a:solidFill>
+                  <a:schemeClr val="accent5">
+                    <a:lumMod val="40000"/>
+                    <a:lumOff val="60000"/>
+                  </a:schemeClr>
+                </a:solidFill>
+              </a:rPr>
+              <a:t> : </a:t>
+            </a:r>
+            <a:r>
+              <a:rPr lang="en-US" sz="2400" dirty="0" err="1">
+                <a:solidFill>
+                  <a:schemeClr val="accent5">
+                    <a:lumMod val="40000"/>
+                    <a:lumOff val="60000"/>
+                  </a:schemeClr>
+                </a:solidFill>
+              </a:rPr>
+              <a:t>AbstractValidator</a:t>
+            </a:r>
+            <a:r>
+              <a:rPr lang="en-US" sz="2400" dirty="0">
+                <a:solidFill>
+                  <a:schemeClr val="accent5">
+                    <a:lumMod val="40000"/>
+                    <a:lumOff val="60000"/>
+                  </a:schemeClr>
+                </a:solidFill>
+              </a:rPr>
+              <a:t>&lt;</a:t>
+            </a:r>
+            <a:r>
+              <a:rPr lang="en-US" sz="2400" dirty="0" err="1">
+                <a:solidFill>
+                  <a:schemeClr val="accent5">
+                    <a:lumMod val="40000"/>
+                    <a:lumOff val="60000"/>
+                  </a:schemeClr>
+                </a:solidFill>
+              </a:rPr>
+              <a:t>AlbumApiModel</a:t>
+            </a:r>
+            <a:r>
+              <a:rPr lang="en-US" sz="2400" dirty="0">
+                <a:solidFill>
+                  <a:schemeClr val="accent5">
+                    <a:lumMod val="40000"/>
+                    <a:lumOff val="60000"/>
+                  </a:schemeClr>
+                </a:solidFill>
+              </a:rPr>
+              <a:t>&gt;</a:t>
+            </a:r>
+          </a:p>
+          <a:p>
+            <a:r>
+              <a:rPr lang="en-US" sz="2400" dirty="0">
+                <a:solidFill>
+                  <a:schemeClr val="accent5">
+                    <a:lumMod val="40000"/>
+                    <a:lumOff val="60000"/>
+                  </a:schemeClr>
+                </a:solidFill>
+              </a:rPr>
+              <a:t>{</a:t>
+            </a:r>
+          </a:p>
+          <a:p>
+            <a:r>
+              <a:rPr lang="en-US" sz="2400" dirty="0">
+                <a:solidFill>
+                  <a:schemeClr val="accent5">
+                    <a:lumMod val="40000"/>
+                    <a:lumOff val="60000"/>
+                  </a:schemeClr>
+                </a:solidFill>
+              </a:rPr>
+              <a:t>    public </a:t>
+            </a:r>
+            <a:r>
+              <a:rPr lang="en-US" sz="2400" dirty="0" err="1">
+                <a:solidFill>
+                  <a:schemeClr val="accent5">
+                    <a:lumMod val="40000"/>
+                    <a:lumOff val="60000"/>
+                  </a:schemeClr>
+                </a:solidFill>
+              </a:rPr>
+              <a:t>AlbumValidator</a:t>
+            </a:r>
+            <a:r>
+              <a:rPr lang="en-US" sz="2400" dirty="0">
+                <a:solidFill>
+                  <a:schemeClr val="accent5">
+                    <a:lumMod val="40000"/>
+                    <a:lumOff val="60000"/>
+                  </a:schemeClr>
+                </a:solidFill>
+              </a:rPr>
+              <a:t>()</a:t>
+            </a:r>
+          </a:p>
+          <a:p>
+            <a:r>
+              <a:rPr lang="en-US" sz="2400" dirty="0">
+                <a:solidFill>
+                  <a:schemeClr val="accent5">
+                    <a:lumMod val="40000"/>
+                    <a:lumOff val="60000"/>
+                  </a:schemeClr>
+                </a:solidFill>
+              </a:rPr>
+              <a:t>    {</a:t>
+            </a:r>
+          </a:p>
+          <a:p>
+            <a:r>
+              <a:rPr lang="en-US" sz="2400" dirty="0">
+                <a:solidFill>
+                  <a:schemeClr val="accent5">
+                    <a:lumMod val="40000"/>
+                    <a:lumOff val="60000"/>
+                  </a:schemeClr>
+                </a:solidFill>
+              </a:rPr>
+              <a:t>        </a:t>
+            </a:r>
+            <a:r>
+              <a:rPr lang="en-US" sz="2400" dirty="0" err="1">
+                <a:solidFill>
+                  <a:schemeClr val="accent5">
+                    <a:lumMod val="40000"/>
+                    <a:lumOff val="60000"/>
+                  </a:schemeClr>
+                </a:solidFill>
+              </a:rPr>
+              <a:t>RuleFor</a:t>
+            </a:r>
+            <a:r>
+              <a:rPr lang="en-US" sz="2400" dirty="0">
+                <a:solidFill>
+                  <a:schemeClr val="accent5">
+                    <a:lumMod val="40000"/>
+                    <a:lumOff val="60000"/>
+                  </a:schemeClr>
+                </a:solidFill>
+              </a:rPr>
+              <a:t>(a =&gt; </a:t>
+            </a:r>
+            <a:r>
+              <a:rPr lang="en-US" sz="2400" dirty="0" err="1">
+                <a:solidFill>
+                  <a:schemeClr val="accent5">
+                    <a:lumMod val="40000"/>
+                    <a:lumOff val="60000"/>
+                  </a:schemeClr>
+                </a:solidFill>
+              </a:rPr>
+              <a:t>a.Title</a:t>
+            </a:r>
+            <a:r>
+              <a:rPr lang="en-US" sz="2400" dirty="0">
+                <a:solidFill>
+                  <a:schemeClr val="accent5">
+                    <a:lumMod val="40000"/>
+                    <a:lumOff val="60000"/>
+                  </a:schemeClr>
+                </a:solidFill>
+              </a:rPr>
+              <a:t>).</a:t>
+            </a:r>
+            <a:r>
+              <a:rPr lang="en-US" sz="2400" dirty="0" err="1">
+                <a:solidFill>
+                  <a:schemeClr val="accent5">
+                    <a:lumMod val="40000"/>
+                    <a:lumOff val="60000"/>
+                  </a:schemeClr>
+                </a:solidFill>
+              </a:rPr>
+              <a:t>NotNull</a:t>
+            </a:r>
+            <a:r>
+              <a:rPr lang="en-US" sz="2400" dirty="0">
+                <a:solidFill>
+                  <a:schemeClr val="accent5">
+                    <a:lumMod val="40000"/>
+                    <a:lumOff val="60000"/>
+                  </a:schemeClr>
+                </a:solidFill>
+              </a:rPr>
+              <a:t>();</a:t>
+            </a:r>
+          </a:p>
+          <a:p>
+            <a:r>
+              <a:rPr lang="en-US" sz="2400" dirty="0">
+                <a:solidFill>
+                  <a:schemeClr val="accent5">
+                    <a:lumMod val="40000"/>
+                    <a:lumOff val="60000"/>
+                  </a:schemeClr>
+                </a:solidFill>
+              </a:rPr>
+              <a:t>        </a:t>
+            </a:r>
+            <a:r>
+              <a:rPr lang="en-US" sz="2400" dirty="0" err="1">
+                <a:solidFill>
+                  <a:schemeClr val="accent5">
+                    <a:lumMod val="40000"/>
+                    <a:lumOff val="60000"/>
+                  </a:schemeClr>
+                </a:solidFill>
+              </a:rPr>
+              <a:t>RuleFor</a:t>
+            </a:r>
+            <a:r>
+              <a:rPr lang="en-US" sz="2400" dirty="0">
+                <a:solidFill>
+                  <a:schemeClr val="accent5">
+                    <a:lumMod val="40000"/>
+                    <a:lumOff val="60000"/>
+                  </a:schemeClr>
+                </a:solidFill>
+              </a:rPr>
+              <a:t>(a =&gt; </a:t>
+            </a:r>
+            <a:r>
+              <a:rPr lang="en-US" sz="2400" dirty="0" err="1">
+                <a:solidFill>
+                  <a:schemeClr val="accent5">
+                    <a:lumMod val="40000"/>
+                    <a:lumOff val="60000"/>
+                  </a:schemeClr>
+                </a:solidFill>
+              </a:rPr>
+              <a:t>a.Title</a:t>
+            </a:r>
+            <a:r>
+              <a:rPr lang="en-US" sz="2400" dirty="0">
+                <a:solidFill>
+                  <a:schemeClr val="accent5">
+                    <a:lumMod val="40000"/>
+                    <a:lumOff val="60000"/>
+                  </a:schemeClr>
+                </a:solidFill>
+              </a:rPr>
+              <a:t>).</a:t>
+            </a:r>
+            <a:r>
+              <a:rPr lang="en-US" sz="2400" dirty="0" err="1">
+                <a:solidFill>
+                  <a:schemeClr val="accent5">
+                    <a:lumMod val="40000"/>
+                    <a:lumOff val="60000"/>
+                  </a:schemeClr>
+                </a:solidFill>
+              </a:rPr>
+              <a:t>MinimumLength</a:t>
+            </a:r>
+            <a:r>
+              <a:rPr lang="en-US" sz="2400" dirty="0">
+                <a:solidFill>
+                  <a:schemeClr val="accent5">
+                    <a:lumMod val="40000"/>
+                    <a:lumOff val="60000"/>
+                  </a:schemeClr>
+                </a:solidFill>
+              </a:rPr>
+              <a:t>(3);</a:t>
+            </a:r>
+          </a:p>
+          <a:p>
+            <a:r>
+              <a:rPr lang="en-US" sz="2400" dirty="0">
+                <a:solidFill>
+                  <a:schemeClr val="accent5">
+                    <a:lumMod val="40000"/>
+                    <a:lumOff val="60000"/>
+                  </a:schemeClr>
+                </a:solidFill>
+              </a:rPr>
+              <a:t>        </a:t>
+            </a:r>
+            <a:r>
+              <a:rPr lang="en-US" sz="2400" dirty="0" err="1">
+                <a:solidFill>
+                  <a:schemeClr val="accent5">
+                    <a:lumMod val="40000"/>
+                    <a:lumOff val="60000"/>
+                  </a:schemeClr>
+                </a:solidFill>
+              </a:rPr>
+              <a:t>RuleFor</a:t>
+            </a:r>
+            <a:r>
+              <a:rPr lang="en-US" sz="2400" dirty="0">
+                <a:solidFill>
+                  <a:schemeClr val="accent5">
+                    <a:lumMod val="40000"/>
+                    <a:lumOff val="60000"/>
+                  </a:schemeClr>
+                </a:solidFill>
+              </a:rPr>
+              <a:t>(a =&gt; </a:t>
+            </a:r>
+            <a:r>
+              <a:rPr lang="en-US" sz="2400" dirty="0" err="1">
+                <a:solidFill>
+                  <a:schemeClr val="accent5">
+                    <a:lumMod val="40000"/>
+                    <a:lumOff val="60000"/>
+                  </a:schemeClr>
+                </a:solidFill>
+              </a:rPr>
+              <a:t>a.Title</a:t>
+            </a:r>
+            <a:r>
+              <a:rPr lang="en-US" sz="2400" dirty="0">
+                <a:solidFill>
+                  <a:schemeClr val="accent5">
+                    <a:lumMod val="40000"/>
+                    <a:lumOff val="60000"/>
+                  </a:schemeClr>
+                </a:solidFill>
+              </a:rPr>
+              <a:t>).</a:t>
+            </a:r>
+            <a:r>
+              <a:rPr lang="en-US" sz="2400" dirty="0" err="1">
+                <a:solidFill>
+                  <a:schemeClr val="accent5">
+                    <a:lumMod val="40000"/>
+                    <a:lumOff val="60000"/>
+                  </a:schemeClr>
+                </a:solidFill>
+              </a:rPr>
+              <a:t>MaximumLength</a:t>
+            </a:r>
+            <a:r>
+              <a:rPr lang="en-US" sz="2400" dirty="0">
+                <a:solidFill>
+                  <a:schemeClr val="accent5">
+                    <a:lumMod val="40000"/>
+                    <a:lumOff val="60000"/>
+                  </a:schemeClr>
+                </a:solidFill>
+              </a:rPr>
+              <a:t>(160);</a:t>
+            </a:r>
+          </a:p>
+          <a:p>
+            <a:r>
+              <a:rPr lang="en-US" sz="2400" dirty="0">
+                <a:solidFill>
+                  <a:schemeClr val="accent5">
+                    <a:lumMod val="40000"/>
+                    <a:lumOff val="60000"/>
+                  </a:schemeClr>
+                </a:solidFill>
+              </a:rPr>
+              <a:t>        </a:t>
+            </a:r>
+            <a:r>
+              <a:rPr lang="en-US" sz="2400" dirty="0" err="1">
+                <a:solidFill>
+                  <a:schemeClr val="accent5">
+                    <a:lumMod val="40000"/>
+                    <a:lumOff val="60000"/>
+                  </a:schemeClr>
+                </a:solidFill>
+              </a:rPr>
+              <a:t>RuleFor</a:t>
+            </a:r>
+            <a:r>
+              <a:rPr lang="en-US" sz="2400" dirty="0">
+                <a:solidFill>
+                  <a:schemeClr val="accent5">
+                    <a:lumMod val="40000"/>
+                    <a:lumOff val="60000"/>
+                  </a:schemeClr>
+                </a:solidFill>
+              </a:rPr>
+              <a:t>(a =&gt; </a:t>
+            </a:r>
+            <a:r>
+              <a:rPr lang="en-US" sz="2400" dirty="0" err="1">
+                <a:solidFill>
+                  <a:schemeClr val="accent5">
+                    <a:lumMod val="40000"/>
+                    <a:lumOff val="60000"/>
+                  </a:schemeClr>
+                </a:solidFill>
+              </a:rPr>
+              <a:t>a.ArtistId</a:t>
+            </a:r>
+            <a:r>
+              <a:rPr lang="en-US" sz="2400" dirty="0">
+                <a:solidFill>
+                  <a:schemeClr val="accent5">
+                    <a:lumMod val="40000"/>
+                    <a:lumOff val="60000"/>
+                  </a:schemeClr>
+                </a:solidFill>
+              </a:rPr>
+              <a:t>).</a:t>
+            </a:r>
+            <a:r>
+              <a:rPr lang="en-US" sz="2400" dirty="0" err="1">
+                <a:solidFill>
+                  <a:schemeClr val="accent5">
+                    <a:lumMod val="40000"/>
+                    <a:lumOff val="60000"/>
+                  </a:schemeClr>
+                </a:solidFill>
+              </a:rPr>
+              <a:t>NotNull</a:t>
+            </a:r>
+            <a:r>
+              <a:rPr lang="en-US" sz="2400" dirty="0">
+                <a:solidFill>
+                  <a:schemeClr val="accent5">
+                    <a:lumMod val="40000"/>
+                    <a:lumOff val="60000"/>
+                  </a:schemeClr>
+                </a:solidFill>
+              </a:rPr>
+              <a:t>();</a:t>
+            </a:r>
+          </a:p>
+          <a:p>
+            <a:r>
+              <a:rPr lang="en-US" sz="2400" dirty="0">
+                <a:solidFill>
+                  <a:schemeClr val="accent5">
+                    <a:lumMod val="40000"/>
+                    <a:lumOff val="60000"/>
+                  </a:schemeClr>
+                </a:solidFill>
+              </a:rPr>
+              <a:t>    }</a:t>
+            </a:r>
+          </a:p>
+          <a:p>
+            <a:r>
+              <a:rPr lang="en-US" sz="2400" dirty="0">
+                <a:solidFill>
+                  <a:schemeClr val="accent5">
+                    <a:lumMod val="40000"/>
+                    <a:lumOff val="60000"/>
+                  </a:schemeClr>
+                </a:solidFill>
+              </a:rPr>
+              <a:t>}</a:t>
+            </a:r>
+          </a:p>
+        </p:txBody>
+      </p:sp>
+    </p:spTree>
+    <p:extLst>
+      <p:ext uri="{BB962C8B-B14F-4D97-AF65-F5344CB8AC3E}">
+        <p14:creationId xmlns:p14="http://schemas.microsoft.com/office/powerpoint/2010/main" val="4053350145"/>
+      </p:ext>
+    </p:extLst>
+  </p:cSld>
+  <p:clrMapOvr>
+    <a:masterClrMapping/>
+  </p:clrMapOvr>
+</p:sld>
+</file>
+
+<file path=ppt/slides/slide3.xml><?xml version="1.0" encoding="utf-8"?>
+<p:sld xmlns:a="http://schemas.openxmlformats.org/drawingml/2006/main" xmlns:r="http://schemas.openxmlformats.org/officeDocument/2006/relationships" xmlns:p="http://schemas.openxmlformats.org/presentationml/2006/main">
+  <p:cSld>
+    <p:spTree>
+      <p:nvGrpSpPr>
+        <p:cNvPr id="1" name=""/>
+        <p:cNvGrpSpPr/>
+        <p:nvPr/>
+      </p:nvGrpSpPr>
+      <p:grpSpPr>
+        <a:xfrm>
+          <a:off x="0" y="0"/>
+          <a:ext cx="0" cy="0"/>
+          <a:chOff x="0" y="0"/>
+          <a:chExt cx="0" cy="0"/>
+        </a:xfrm>
+      </p:grpSpPr>
+      <p:sp>
+        <p:nvSpPr>
+          <p:cNvPr id="2" name="Title 1">
+            <a:extLst>
+              <a:ext uri="{FF2B5EF4-FFF2-40B4-BE49-F238E27FC236}">
+                <a16:creationId xmlns:a16="http://schemas.microsoft.com/office/drawing/2014/main" id="{82E09C43-93CD-427C-B5C4-BF1AF2BF73EC}"/>
+              </a:ext>
+            </a:extLst>
+          </p:cNvPr>
+          <p:cNvSpPr>
+            <a:spLocks noGrp="1"/>
+          </p:cNvSpPr>
+          <p:nvPr>
+            <p:ph type="title"/>
+          </p:nvPr>
+        </p:nvSpPr>
+        <p:spPr/>
+        <p:txBody>
+          <a:bodyPr/>
+          <a:lstStyle/>
+          <a:p>
+            <a:r>
+              <a:rPr lang="en-US" dirty="0"/>
+              <a:t>CORS</a:t>
+            </a:r>
+          </a:p>
+        </p:txBody>
+      </p:sp>
+      <p:sp>
+        <p:nvSpPr>
+          <p:cNvPr id="3" name="Content Placeholder 2">
+            <a:extLst>
+              <a:ext uri="{FF2B5EF4-FFF2-40B4-BE49-F238E27FC236}">
+                <a16:creationId xmlns:a16="http://schemas.microsoft.com/office/drawing/2014/main" id="{39FE521D-A643-4829-AEAA-7F1F49E58D01}"/>
+              </a:ext>
+            </a:extLst>
+          </p:cNvPr>
+          <p:cNvSpPr>
+            <a:spLocks noGrp="1"/>
+          </p:cNvSpPr>
+          <p:nvPr>
+            <p:ph idx="1"/>
+          </p:nvPr>
+        </p:nvSpPr>
+        <p:spPr/>
+        <p:txBody>
+          <a:bodyPr>
+            <a:normAutofit/>
+          </a:bodyPr>
+          <a:lstStyle/>
+          <a:p>
+            <a:r>
+              <a:rPr lang="en-US" sz="4400" dirty="0"/>
+              <a:t>2 Ways to set up CORS in your Web API</a:t>
+            </a:r>
+          </a:p>
+          <a:p>
+            <a:r>
+              <a:rPr lang="en-US" sz="4400" dirty="0">
+                <a:solidFill>
+                  <a:schemeClr val="accent5"/>
+                </a:solidFill>
+              </a:rPr>
+              <a:t>Annotations in your Controllers or Actions</a:t>
+            </a:r>
+          </a:p>
+          <a:p>
+            <a:r>
+              <a:rPr lang="en-US" sz="4400" dirty="0"/>
+              <a:t>or</a:t>
+            </a:r>
+          </a:p>
+          <a:p>
+            <a:r>
+              <a:rPr lang="en-US" sz="4400" dirty="0">
+                <a:solidFill>
+                  <a:schemeClr val="accent2"/>
+                </a:solidFill>
+              </a:rPr>
+              <a:t>Set up a Policy in Startup and assign in Configure().</a:t>
+            </a:r>
+          </a:p>
+        </p:txBody>
+      </p:sp>
+    </p:spTree>
+    <p:extLst>
+      <p:ext uri="{BB962C8B-B14F-4D97-AF65-F5344CB8AC3E}">
+        <p14:creationId xmlns:p14="http://schemas.microsoft.com/office/powerpoint/2010/main" val="299903193"/>
+      </p:ext>
+    </p:extLst>
+  </p:cSld>
+  <p:clrMapOvr>
+    <a:masterClrMapping/>
+  </p:clrMapOvr>
+</p:sld>
+</file>
+
+<file path=ppt/slides/slide4.xml><?xml version="1.0" encoding="utf-8"?>
+<p:sld xmlns:a="http://schemas.openxmlformats.org/drawingml/2006/main" xmlns:r="http://schemas.openxmlformats.org/officeDocument/2006/relationships" xmlns:p="http://schemas.openxmlformats.org/presentationml/2006/main">
+  <p:cSld>
+    <p:spTree>
+      <p:nvGrpSpPr>
+        <p:cNvPr id="1" name=""/>
+        <p:cNvGrpSpPr/>
+        <p:nvPr/>
+      </p:nvGrpSpPr>
+      <p:grpSpPr>
+        <a:xfrm>
+          <a:off x="0" y="0"/>
+          <a:ext cx="0" cy="0"/>
+          <a:chOff x="0" y="0"/>
+          <a:chExt cx="0" cy="0"/>
+        </a:xfrm>
+      </p:grpSpPr>
+      <p:sp>
+        <p:nvSpPr>
+          <p:cNvPr id="2" name="Title 1">
+            <a:extLst>
+              <a:ext uri="{FF2B5EF4-FFF2-40B4-BE49-F238E27FC236}">
+                <a16:creationId xmlns:a16="http://schemas.microsoft.com/office/drawing/2014/main" id="{57804EDB-317F-4E5F-B0DB-F136E4785397}"/>
+              </a:ext>
+            </a:extLst>
+          </p:cNvPr>
+          <p:cNvSpPr>
+            <a:spLocks noGrp="1"/>
+          </p:cNvSpPr>
+          <p:nvPr>
+            <p:ph type="title"/>
+          </p:nvPr>
+        </p:nvSpPr>
+        <p:spPr/>
+        <p:txBody>
+          <a:bodyPr/>
+          <a:lstStyle/>
+          <a:p>
+            <a:r>
+              <a:rPr lang="en-US" dirty="0"/>
+              <a:t>CORS</a:t>
+            </a:r>
+          </a:p>
+        </p:txBody>
+      </p:sp>
+      <p:sp>
+        <p:nvSpPr>
+          <p:cNvPr id="3" name="Content Placeholder 2">
+            <a:extLst>
+              <a:ext uri="{FF2B5EF4-FFF2-40B4-BE49-F238E27FC236}">
+                <a16:creationId xmlns:a16="http://schemas.microsoft.com/office/drawing/2014/main" id="{A3B6E6D2-92B5-4942-A509-D48D995ACAE3}"/>
+              </a:ext>
+            </a:extLst>
+          </p:cNvPr>
+          <p:cNvSpPr>
+            <a:spLocks noGrp="1"/>
+          </p:cNvSpPr>
+          <p:nvPr>
+            <p:ph idx="1"/>
+          </p:nvPr>
+        </p:nvSpPr>
+        <p:spPr/>
+        <p:txBody>
+          <a:bodyPr>
+            <a:normAutofit fontScale="85000" lnSpcReduction="20000"/>
+          </a:bodyPr>
+          <a:lstStyle/>
+          <a:p>
+            <a:r>
+              <a:rPr lang="en-US" dirty="0"/>
+              <a:t>[Route("api/[controller]")]</a:t>
+            </a:r>
+          </a:p>
+          <a:p>
+            <a:r>
+              <a:rPr lang="en-US" dirty="0"/>
+              <a:t>[</a:t>
+            </a:r>
+            <a:r>
+              <a:rPr lang="en-US" dirty="0" err="1"/>
+              <a:t>ApiController</a:t>
+            </a:r>
+            <a:r>
+              <a:rPr lang="en-US" dirty="0"/>
+              <a:t>]</a:t>
+            </a:r>
+          </a:p>
+          <a:p>
+            <a:r>
+              <a:rPr lang="en-US" dirty="0"/>
+              <a:t>public class </a:t>
+            </a:r>
+            <a:r>
+              <a:rPr lang="en-US" dirty="0" err="1"/>
+              <a:t>WidgetController</a:t>
+            </a:r>
+            <a:r>
+              <a:rPr lang="en-US" dirty="0"/>
+              <a:t> : </a:t>
+            </a:r>
+            <a:r>
+              <a:rPr lang="en-US" dirty="0" err="1"/>
+              <a:t>ControllerBase</a:t>
+            </a:r>
+            <a:endParaRPr lang="en-US" dirty="0"/>
+          </a:p>
+          <a:p>
+            <a:r>
+              <a:rPr lang="en-US" dirty="0"/>
+              <a:t>{</a:t>
+            </a:r>
+          </a:p>
+          <a:p>
+            <a:r>
+              <a:rPr lang="en-US" dirty="0"/>
+              <a:t>    // GET api/values</a:t>
+            </a:r>
+          </a:p>
+          <a:p>
+            <a:r>
+              <a:rPr lang="en-US" dirty="0">
+                <a:highlight>
+                  <a:srgbClr val="800000"/>
+                </a:highlight>
+              </a:rPr>
+              <a:t>    [</a:t>
+            </a:r>
+            <a:r>
+              <a:rPr lang="en-US" dirty="0" err="1">
+                <a:highlight>
+                  <a:srgbClr val="800000"/>
+                </a:highlight>
+              </a:rPr>
+              <a:t>EnableCors</a:t>
+            </a:r>
+            <a:r>
+              <a:rPr lang="en-US" dirty="0">
+                <a:highlight>
+                  <a:srgbClr val="800000"/>
+                </a:highlight>
+              </a:rPr>
+              <a:t>("</a:t>
+            </a:r>
+            <a:r>
+              <a:rPr lang="en-US" sz="2000" dirty="0">
+                <a:highlight>
+                  <a:srgbClr val="800000"/>
+                </a:highlight>
+              </a:rPr>
+              <a:t> </a:t>
+            </a:r>
+            <a:r>
+              <a:rPr lang="en-US" sz="2000" dirty="0" err="1">
+                <a:highlight>
+                  <a:srgbClr val="800000"/>
+                </a:highlight>
+              </a:rPr>
+              <a:t>CorsPolicy</a:t>
+            </a:r>
+            <a:r>
+              <a:rPr lang="en-US" sz="2000" dirty="0">
+                <a:highlight>
+                  <a:srgbClr val="800000"/>
+                </a:highlight>
+              </a:rPr>
+              <a:t> </a:t>
+            </a:r>
+            <a:r>
+              <a:rPr lang="en-US" dirty="0">
+                <a:highlight>
+                  <a:srgbClr val="800000"/>
+                </a:highlight>
+              </a:rPr>
+              <a:t>")]</a:t>
+            </a:r>
+          </a:p>
+          <a:p>
+            <a:r>
+              <a:rPr lang="en-US" dirty="0"/>
+              <a:t>    [</a:t>
+            </a:r>
+            <a:r>
+              <a:rPr lang="en-US" dirty="0" err="1"/>
+              <a:t>HttpGet</a:t>
+            </a:r>
+            <a:r>
+              <a:rPr lang="en-US" dirty="0"/>
+              <a:t>]</a:t>
+            </a:r>
+          </a:p>
+          <a:p>
+            <a:r>
+              <a:rPr lang="en-US" dirty="0"/>
+              <a:t>    public </a:t>
+            </a:r>
+            <a:r>
+              <a:rPr lang="en-US" dirty="0" err="1"/>
+              <a:t>ActionResult</a:t>
+            </a:r>
+            <a:r>
+              <a:rPr lang="en-US" dirty="0"/>
+              <a:t>&lt;IEnumerable&lt;string&gt;&gt; Get()</a:t>
+            </a:r>
+          </a:p>
+          <a:p>
+            <a:r>
+              <a:rPr lang="en-US" dirty="0"/>
+              <a:t>    {</a:t>
+            </a:r>
+          </a:p>
+          <a:p>
+            <a:r>
+              <a:rPr lang="en-US" dirty="0"/>
+              <a:t>        return new string[] { "green widget", "red widget" };</a:t>
+            </a:r>
+          </a:p>
+          <a:p>
+            <a:r>
+              <a:rPr lang="en-US" dirty="0"/>
+              <a:t>    }</a:t>
+            </a:r>
+          </a:p>
+        </p:txBody>
+      </p:sp>
+    </p:spTree>
+    <p:extLst>
+      <p:ext uri="{BB962C8B-B14F-4D97-AF65-F5344CB8AC3E}">
+        <p14:creationId xmlns:p14="http://schemas.microsoft.com/office/powerpoint/2010/main" val="3621990842"/>
+      </p:ext>
+    </p:extLst>
+  </p:cSld>
+  <p:clrMapOvr>
+    <a:masterClrMapping/>
+  </p:clrMapOvr>
+</p:sld>
+</file>
+
+<file path=ppt/slides/slide5.xml><?xml version="1.0" encoding="utf-8"?>
+<p:sld xmlns:a="http://schemas.openxmlformats.org/drawingml/2006/main" xmlns:r="http://schemas.openxmlformats.org/officeDocument/2006/relationships" xmlns:p="http://schemas.openxmlformats.org/presentationml/2006/main">
+  <p:cSld>
+    <p:spTree>
+      <p:nvGrpSpPr>
+        <p:cNvPr id="1" name=""/>
+        <p:cNvGrpSpPr/>
+        <p:nvPr/>
+      </p:nvGrpSpPr>
+      <p:grpSpPr>
+        <a:xfrm>
+          <a:off x="0" y="0"/>
+          <a:ext cx="0" cy="0"/>
+          <a:chOff x="0" y="0"/>
+          <a:chExt cx="0" cy="0"/>
+        </a:xfrm>
+      </p:grpSpPr>
+      <p:sp>
+        <p:nvSpPr>
+          <p:cNvPr id="2" name="Title 1">
+            <a:extLst>
+              <a:ext uri="{FF2B5EF4-FFF2-40B4-BE49-F238E27FC236}">
+                <a16:creationId xmlns:a16="http://schemas.microsoft.com/office/drawing/2014/main" id="{B44793D8-FD6E-4A8C-8536-3B28DADC7AEF}"/>
+              </a:ext>
+            </a:extLst>
+          </p:cNvPr>
+          <p:cNvSpPr>
+            <a:spLocks noGrp="1"/>
+          </p:cNvSpPr>
+          <p:nvPr>
+            <p:ph type="title"/>
+          </p:nvPr>
+        </p:nvSpPr>
+        <p:spPr/>
+        <p:txBody>
+          <a:bodyPr/>
+          <a:lstStyle/>
+          <a:p>
+            <a:r>
+              <a:rPr lang="en-US" dirty="0"/>
+              <a:t>CORS</a:t>
+            </a:r>
+          </a:p>
+        </p:txBody>
+      </p:sp>
+      <p:sp>
+        <p:nvSpPr>
+          <p:cNvPr id="3" name="Content Placeholder 2">
+            <a:extLst>
+              <a:ext uri="{FF2B5EF4-FFF2-40B4-BE49-F238E27FC236}">
+                <a16:creationId xmlns:a16="http://schemas.microsoft.com/office/drawing/2014/main" id="{BBFFBDED-74CC-42AF-857B-A1ABEBDC2D7B}"/>
+              </a:ext>
+            </a:extLst>
+          </p:cNvPr>
+          <p:cNvSpPr>
+            <a:spLocks noGrp="1"/>
+          </p:cNvSpPr>
+          <p:nvPr>
+            <p:ph idx="1"/>
+          </p:nvPr>
+        </p:nvSpPr>
+        <p:spPr/>
+        <p:txBody>
+          <a:bodyPr>
+            <a:normAutofit/>
+          </a:bodyPr>
+          <a:lstStyle/>
+          <a:p>
+            <a:r>
+              <a:rPr lang="en-US" sz="2400" dirty="0"/>
+              <a:t> </a:t>
+            </a:r>
+            <a:r>
+              <a:rPr lang="en-US" sz="2400" dirty="0" err="1"/>
+              <a:t>services.AddCors</a:t>
+            </a:r>
+            <a:r>
+              <a:rPr lang="en-US" sz="2400" dirty="0"/>
+              <a:t>(options =&gt;</a:t>
+            </a:r>
+          </a:p>
+          <a:p>
+            <a:r>
+              <a:rPr lang="en-US" sz="2400" dirty="0"/>
+              <a:t>            {</a:t>
+            </a:r>
+          </a:p>
+          <a:p>
+            <a:r>
+              <a:rPr lang="en-US" sz="2400" dirty="0"/>
+              <a:t>                </a:t>
+            </a:r>
+            <a:r>
+              <a:rPr lang="en-US" sz="2400" dirty="0" err="1"/>
+              <a:t>options.AddPolicy</a:t>
+            </a:r>
+            <a:r>
+              <a:rPr lang="en-US" sz="2400" dirty="0"/>
+              <a:t>("</a:t>
+            </a:r>
+            <a:r>
+              <a:rPr lang="en-US" sz="2400" dirty="0" err="1"/>
+              <a:t>CorsPolicy</a:t>
+            </a:r>
+            <a:r>
+              <a:rPr lang="en-US" sz="2400" dirty="0"/>
+              <a:t>",</a:t>
+            </a:r>
+          </a:p>
+          <a:p>
+            <a:r>
+              <a:rPr lang="en-US" sz="2400" dirty="0"/>
+              <a:t>                    builder =&gt; </a:t>
+            </a:r>
+            <a:r>
+              <a:rPr lang="en-US" sz="2400" dirty="0" err="1"/>
+              <a:t>builder.AllowAnyOrigin</a:t>
+            </a:r>
+            <a:r>
+              <a:rPr lang="en-US" sz="2400" dirty="0"/>
+              <a:t>()</a:t>
+            </a:r>
+          </a:p>
+          <a:p>
+            <a:r>
+              <a:rPr lang="en-US" sz="2400" dirty="0"/>
+              <a:t>                        .</a:t>
+            </a:r>
+            <a:r>
+              <a:rPr lang="en-US" sz="2400" dirty="0" err="1"/>
+              <a:t>AllowAnyMethod</a:t>
+            </a:r>
+            <a:r>
+              <a:rPr lang="en-US" sz="2400" dirty="0"/>
+              <a:t>()</a:t>
+            </a:r>
+          </a:p>
+          <a:p>
+            <a:r>
+              <a:rPr lang="en-US" sz="2400" dirty="0"/>
+              <a:t>                        .</a:t>
+            </a:r>
+            <a:r>
+              <a:rPr lang="en-US" sz="2400" dirty="0" err="1"/>
+              <a:t>AllowAnyHeader</a:t>
+            </a:r>
+            <a:r>
+              <a:rPr lang="en-US" sz="2400" dirty="0"/>
+              <a:t>());</a:t>
+            </a:r>
+          </a:p>
+          <a:p>
+            <a:r>
+              <a:rPr lang="en-US" sz="2400" dirty="0"/>
+              <a:t>            });</a:t>
+            </a:r>
+          </a:p>
+        </p:txBody>
+      </p:sp>
+    </p:spTree>
+    <p:extLst>
+      <p:ext uri="{BB962C8B-B14F-4D97-AF65-F5344CB8AC3E}">
+        <p14:creationId xmlns:p14="http://schemas.microsoft.com/office/powerpoint/2010/main" val="2277267245"/>
+      </p:ext>
+    </p:extLst>
+  </p:cSld>
+  <p:clrMapOvr>
+    <a:masterClrMapping/>
+  </p:clrMapOvr>
+</p:sld>
+</file>
+
+<file path=ppt/slides/slide6.xml><?xml version="1.0" encoding="utf-8"?>
+<p:sld xmlns:a="http://schemas.openxmlformats.org/drawingml/2006/main" xmlns:r="http://schemas.openxmlformats.org/officeDocument/2006/relationships" xmlns:p="http://schemas.openxmlformats.org/presentationml/2006/main">
+  <p:cSld>
+    <p:spTree>
+      <p:nvGrpSpPr>
+        <p:cNvPr id="1" name=""/>
+        <p:cNvGrpSpPr/>
+        <p:nvPr/>
+      </p:nvGrpSpPr>
+      <p:grpSpPr>
+        <a:xfrm>
+          <a:off x="0" y="0"/>
+          <a:ext cx="0" cy="0"/>
+          <a:chOff x="0" y="0"/>
+          <a:chExt cx="0" cy="0"/>
+        </a:xfrm>
+      </p:grpSpPr>
+      <p:sp>
+        <p:nvSpPr>
+          <p:cNvPr id="2" name="Title 1">
+            <a:extLst>
+              <a:ext uri="{FF2B5EF4-FFF2-40B4-BE49-F238E27FC236}">
+                <a16:creationId xmlns:a16="http://schemas.microsoft.com/office/drawing/2014/main" id="{A20AC04D-A984-4F23-B555-92E74792A726}"/>
+              </a:ext>
+            </a:extLst>
+          </p:cNvPr>
+          <p:cNvSpPr>
+            <a:spLocks noGrp="1"/>
+          </p:cNvSpPr>
+          <p:nvPr>
+            <p:ph type="title"/>
+          </p:nvPr>
+        </p:nvSpPr>
+        <p:spPr/>
+        <p:txBody>
+          <a:bodyPr/>
+          <a:lstStyle/>
+          <a:p>
+            <a:r>
+              <a:rPr lang="en-US" dirty="0"/>
+              <a:t>CORS</a:t>
+            </a:r>
+          </a:p>
+        </p:txBody>
+      </p:sp>
+      <p:sp>
+        <p:nvSpPr>
+          <p:cNvPr id="3" name="Content Placeholder 2">
+            <a:extLst>
+              <a:ext uri="{FF2B5EF4-FFF2-40B4-BE49-F238E27FC236}">
+                <a16:creationId xmlns:a16="http://schemas.microsoft.com/office/drawing/2014/main" id="{70C9133A-28BF-4F05-8B71-F5AF24A86A1B}"/>
+              </a:ext>
+            </a:extLst>
+          </p:cNvPr>
+          <p:cNvSpPr>
+            <a:spLocks noGrp="1"/>
+          </p:cNvSpPr>
+          <p:nvPr>
+            <p:ph idx="1"/>
+          </p:nvPr>
+        </p:nvSpPr>
+        <p:spPr/>
+        <p:txBody>
+          <a:bodyPr/>
+          <a:lstStyle/>
+          <a:p>
+            <a:r>
+              <a:rPr lang="en-US" dirty="0"/>
+              <a:t>GET http://myserver.chinookmusicstore.net/api/test HTTP/1.1</a:t>
+            </a:r>
+          </a:p>
+          <a:p>
+            <a:r>
+              <a:rPr lang="en-US" dirty="0" err="1"/>
+              <a:t>Referer</a:t>
+            </a:r>
+            <a:r>
+              <a:rPr lang="en-US" dirty="0"/>
+              <a:t>: http://myclient. chinookmusicstore.net/</a:t>
+            </a:r>
+          </a:p>
+          <a:p>
+            <a:r>
+              <a:rPr lang="en-US" dirty="0"/>
+              <a:t>Accept: */*</a:t>
+            </a:r>
+          </a:p>
+          <a:p>
+            <a:r>
+              <a:rPr lang="en-US" dirty="0"/>
+              <a:t>Accept-Language: </a:t>
+            </a:r>
+            <a:r>
+              <a:rPr lang="en-US" dirty="0" err="1"/>
+              <a:t>en</a:t>
+            </a:r>
+            <a:r>
+              <a:rPr lang="en-US" dirty="0"/>
+              <a:t>-US</a:t>
+            </a:r>
+          </a:p>
+          <a:p>
+            <a:r>
+              <a:rPr lang="en-US" dirty="0">
+                <a:highlight>
+                  <a:srgbClr val="800000"/>
+                </a:highlight>
+              </a:rPr>
+              <a:t>Origin: http://myclient. chinookmusicstore.net</a:t>
+            </a:r>
+          </a:p>
+          <a:p>
+            <a:r>
+              <a:rPr lang="en-US" dirty="0"/>
+              <a:t>Accept-Encoding: </a:t>
+            </a:r>
+            <a:r>
+              <a:rPr lang="en-US" dirty="0" err="1"/>
+              <a:t>gzip</a:t>
+            </a:r>
+            <a:r>
+              <a:rPr lang="en-US" dirty="0"/>
+              <a:t>, deflate</a:t>
+            </a:r>
+          </a:p>
+          <a:p>
+            <a:r>
+              <a:rPr lang="en-US" dirty="0"/>
+              <a:t>User-Agent: Mozilla/5.0 (compatible; MSIE 10.0; Windows NT 6.2; WOW64; Trident/6.0)</a:t>
+            </a:r>
+          </a:p>
+          <a:p>
+            <a:r>
+              <a:rPr lang="en-US" dirty="0"/>
+              <a:t>Host: </a:t>
+            </a:r>
+            <a:r>
+              <a:rPr lang="en-US" dirty="0" err="1"/>
+              <a:t>myservice</a:t>
+            </a:r>
+            <a:r>
+              <a:rPr lang="en-US" dirty="0"/>
+              <a:t>. chinookmusicstore.net</a:t>
+            </a:r>
+          </a:p>
+        </p:txBody>
+      </p:sp>
+    </p:spTree>
+    <p:extLst>
+      <p:ext uri="{BB962C8B-B14F-4D97-AF65-F5344CB8AC3E}">
+        <p14:creationId xmlns:p14="http://schemas.microsoft.com/office/powerpoint/2010/main" val="3983395679"/>
+      </p:ext>
+    </p:extLst>
+  </p:cSld>
+  <p:clrMapOvr>
+    <a:masterClrMapping/>
+  </p:clrMapOvr>
+</p:sld>
+</file>
+
+<file path=ppt/slides/slide7.xml><?xml version="1.0" encoding="utf-8"?>
+<p:sld xmlns:a="http://schemas.openxmlformats.org/drawingml/2006/main" xmlns:r="http://schemas.openxmlformats.org/officeDocument/2006/relationships" xmlns:p="http://schemas.openxmlformats.org/presentationml/2006/main">
+  <p:cSld>
+    <p:spTree>
+      <p:nvGrpSpPr>
+        <p:cNvPr id="1" name=""/>
+        <p:cNvGrpSpPr/>
+        <p:nvPr/>
+      </p:nvGrpSpPr>
+      <p:grpSpPr>
+        <a:xfrm>
+          <a:off x="0" y="0"/>
+          <a:ext cx="0" cy="0"/>
+          <a:chOff x="0" y="0"/>
+          <a:chExt cx="0" cy="0"/>
+        </a:xfrm>
+      </p:grpSpPr>
+      <p:sp>
+        <p:nvSpPr>
+          <p:cNvPr id="2" name="Title 1">
+            <a:extLst>
+              <a:ext uri="{FF2B5EF4-FFF2-40B4-BE49-F238E27FC236}">
+                <a16:creationId xmlns:a16="http://schemas.microsoft.com/office/drawing/2014/main" id="{246FF8A7-F88B-4741-8309-0685A260EECE}"/>
+              </a:ext>
+            </a:extLst>
+          </p:cNvPr>
+          <p:cNvSpPr>
+            <a:spLocks noGrp="1"/>
+          </p:cNvSpPr>
+          <p:nvPr>
+            <p:ph type="title"/>
+          </p:nvPr>
+        </p:nvSpPr>
+        <p:spPr/>
+        <p:txBody>
+          <a:bodyPr/>
+          <a:lstStyle/>
+          <a:p>
+            <a:r>
+              <a:rPr lang="en-US" dirty="0"/>
+              <a:t>CORS</a:t>
+            </a:r>
+          </a:p>
+        </p:txBody>
+      </p:sp>
+      <p:sp>
+        <p:nvSpPr>
+          <p:cNvPr id="3" name="Content Placeholder 2">
+            <a:extLst>
+              <a:ext uri="{FF2B5EF4-FFF2-40B4-BE49-F238E27FC236}">
+                <a16:creationId xmlns:a16="http://schemas.microsoft.com/office/drawing/2014/main" id="{0A7A7162-44F8-4A70-8176-8DC015BDCCD8}"/>
+              </a:ext>
+            </a:extLst>
+          </p:cNvPr>
+          <p:cNvSpPr>
+            <a:spLocks noGrp="1"/>
+          </p:cNvSpPr>
+          <p:nvPr>
+            <p:ph idx="1"/>
+          </p:nvPr>
+        </p:nvSpPr>
+        <p:spPr/>
+        <p:txBody>
+          <a:bodyPr/>
+          <a:lstStyle/>
+          <a:p>
+            <a:r>
+              <a:rPr lang="en-US" dirty="0"/>
+              <a:t>HTTP/1.1 200 OK</a:t>
+            </a:r>
+          </a:p>
+          <a:p>
+            <a:r>
+              <a:rPr lang="en-US" dirty="0"/>
+              <a:t>Cache-Control: no-cache</a:t>
+            </a:r>
+          </a:p>
+          <a:p>
+            <a:r>
+              <a:rPr lang="en-US" dirty="0"/>
+              <a:t>Pragma: no-cache</a:t>
+            </a:r>
+          </a:p>
+          <a:p>
+            <a:r>
+              <a:rPr lang="en-US" dirty="0"/>
+              <a:t>Content-Type: text/plain; charset=utf-8</a:t>
+            </a:r>
+          </a:p>
+          <a:p>
+            <a:r>
+              <a:rPr lang="en-US" dirty="0">
+                <a:highlight>
+                  <a:srgbClr val="800000"/>
+                </a:highlight>
+              </a:rPr>
+              <a:t>Access-Control-Allow-Origin: http://myclient. chinookmusicstore.net</a:t>
+            </a:r>
+          </a:p>
+          <a:p>
+            <a:r>
+              <a:rPr lang="en-US" dirty="0"/>
+              <a:t>Date: Wed, 05 Jun 2013 06:27:30 GMT</a:t>
+            </a:r>
+          </a:p>
+          <a:p>
+            <a:r>
+              <a:rPr lang="en-US" dirty="0"/>
+              <a:t>Content-Length: 17</a:t>
+            </a:r>
+          </a:p>
+        </p:txBody>
+      </p:sp>
+    </p:spTree>
+    <p:extLst>
+      <p:ext uri="{BB962C8B-B14F-4D97-AF65-F5344CB8AC3E}">
+        <p14:creationId xmlns:p14="http://schemas.microsoft.com/office/powerpoint/2010/main" val="1956764379"/>
+      </p:ext>
+    </p:extLst>
+  </p:cSld>
+  <p:clrMapOvr>
+    <a:masterClrMapping/>
+  </p:clrMapOvr>
+</p:sld>
+</file>
+
+<file path=ppt/slides/slide8.xml><?xml version="1.0" encoding="utf-8"?>
+<p:sld xmlns:a="http://schemas.openxmlformats.org/drawingml/2006/main" xmlns:r="http://schemas.openxmlformats.org/officeDocument/2006/relationships" xmlns:p="http://schemas.openxmlformats.org/presentationml/2006/main">
+  <p:cSld>
+    <p:spTree>
+      <p:nvGrpSpPr>
+        <p:cNvPr id="1" name=""/>
+        <p:cNvGrpSpPr/>
+        <p:nvPr/>
+      </p:nvGrpSpPr>
+      <p:grpSpPr>
+        <a:xfrm>
+          <a:off x="0" y="0"/>
+          <a:ext cx="0" cy="0"/>
+          <a:chOff x="0" y="0"/>
+          <a:chExt cx="0" cy="0"/>
+        </a:xfrm>
+      </p:grpSpPr>
+      <p:sp>
+        <p:nvSpPr>
+          <p:cNvPr id="2" name="Title 1">
+            <a:extLst>
+              <a:ext uri="{FF2B5EF4-FFF2-40B4-BE49-F238E27FC236}">
+                <a16:creationId xmlns:a16="http://schemas.microsoft.com/office/drawing/2014/main" id="{0E3DF703-5A53-4FB0-9214-8BCC099AD8DE}"/>
+              </a:ext>
+            </a:extLst>
+          </p:cNvPr>
+          <p:cNvSpPr>
+            <a:spLocks noGrp="1"/>
+          </p:cNvSpPr>
+          <p:nvPr>
+            <p:ph type="title"/>
+          </p:nvPr>
+        </p:nvSpPr>
+        <p:spPr/>
+        <p:txBody>
+          <a:bodyPr/>
+          <a:lstStyle/>
+          <a:p>
+            <a:r>
+              <a:rPr lang="en-US" dirty="0"/>
+              <a:t>CORS</a:t>
+            </a:r>
           </a:p>
         </p:txBody>
       </p:sp>
       <p:pic>
         <p:nvPicPr>
-          <p:cNvPr id="2" name="Picture 1"/>
+          <p:cNvPr id="5" name="Picture 4">
+            <a:extLst>
+              <a:ext uri="{FF2B5EF4-FFF2-40B4-BE49-F238E27FC236}">
+                <a16:creationId xmlns:a16="http://schemas.microsoft.com/office/drawing/2014/main" id="{F4E8F1CB-B81C-4337-9412-9F5487277C83}"/>
+              </a:ext>
+            </a:extLst>
+          </p:cNvPr>
           <p:cNvPicPr>
             <a:picLocks noChangeAspect="1"/>
           </p:cNvPicPr>
           <p:nvPr/>
         </p:nvPicPr>
         <p:blipFill>
-          <a:blip r:embed="rId3">
-            <a:extLst>
-              <a:ext uri="{28A0092B-C50C-407E-A947-70E740481C1C}">
-                <a14:useLocalDpi xmlns:a14="http://schemas.microsoft.com/office/drawing/2010/main" val="0"/>
-              </a:ext>
-            </a:extLst>
-          </a:blip>
+          <a:blip r:embed="rId2"/>
           <a:stretch>
             <a:fillRect/>
           </a:stretch>
         </p:blipFill>
         <p:spPr>
           <a:xfrm>
-            <a:off x="0" y="-17379"/>
-            <a:ext cx="12192000" cy="4665579"/>
+            <a:off x="1097280" y="2025016"/>
+            <a:ext cx="10062726" cy="3433675"/>
           </a:xfrm>
           <a:prstGeom prst="rect">
             <a:avLst/>
@@ -7663,18 +8758,17 @@
     </p:spTree>
     <p:extLst>
       <p:ext uri="{BB962C8B-B14F-4D97-AF65-F5344CB8AC3E}">
-        <p14:creationId xmlns:p14="http://schemas.microsoft.com/office/powerpoint/2010/main" val="3943525189"/>
+        <p14:creationId xmlns:p14="http://schemas.microsoft.com/office/powerpoint/2010/main" val="4051259291"/>
       </p:ext>
     </p:extLst>
   </p:cSld>
   <p:clrMapOvr>
     <a:masterClrMapping/>
   </p:clrMapOvr>
-  <p:transition spd="slow"/>
 </p:sld>
 </file>
 
-<file path=ppt/slides/slide10.xml><?xml version="1.0" encoding="utf-8"?>
+<file path=ppt/slides/slide9.xml><?xml version="1.0" encoding="utf-8"?>
 <p:sld xmlns:a="http://schemas.openxmlformats.org/drawingml/2006/main" xmlns:r="http://schemas.openxmlformats.org/officeDocument/2006/relationships" xmlns:p="http://schemas.openxmlformats.org/presentationml/2006/main">
   <p:cSld>
     <p:spTree>
@@ -8219,1670 +9313,6 @@
       </p:par>
     </p:tnLst>
   </p:timing>
-</p:sld>
-</file>
-
-<file path=ppt/slides/slide2.xml><?xml version="1.0" encoding="utf-8"?>
-<p:sld xmlns:a="http://schemas.openxmlformats.org/drawingml/2006/main" xmlns:r="http://schemas.openxmlformats.org/officeDocument/2006/relationships" xmlns:p="http://schemas.openxmlformats.org/presentationml/2006/main">
-  <p:cSld>
-    <p:spTree>
-      <p:nvGrpSpPr>
-        <p:cNvPr id="1" name=""/>
-        <p:cNvGrpSpPr/>
-        <p:nvPr/>
-      </p:nvGrpSpPr>
-      <p:grpSpPr>
-        <a:xfrm>
-          <a:off x="0" y="0"/>
-          <a:ext cx="0" cy="0"/>
-          <a:chOff x="0" y="0"/>
-          <a:chExt cx="0" cy="0"/>
-        </a:xfrm>
-      </p:grpSpPr>
-      <p:pic>
-        <p:nvPicPr>
-          <p:cNvPr id="5" name="Picture 4">
-            <a:extLst>
-              <a:ext uri="{FF2B5EF4-FFF2-40B4-BE49-F238E27FC236}">
-                <a16:creationId xmlns:a16="http://schemas.microsoft.com/office/drawing/2014/main" id="{B946C6F9-B69A-4AE2-B492-CA4DFC744796}"/>
-              </a:ext>
-            </a:extLst>
-          </p:cNvPr>
-          <p:cNvPicPr>
-            <a:picLocks noChangeAspect="1"/>
-          </p:cNvPicPr>
-          <p:nvPr/>
-        </p:nvPicPr>
-        <p:blipFill rotWithShape="1">
-          <a:blip r:embed="rId2">
-            <a:duotone>
-              <a:prstClr val="black"/>
-              <a:schemeClr val="tx2">
-                <a:tint val="45000"/>
-                <a:satMod val="400000"/>
-              </a:schemeClr>
-            </a:duotone>
-            <a:alphaModFix amt="40000"/>
-          </a:blip>
-          <a:srcRect t="29687"/>
-          <a:stretch/>
-        </p:blipFill>
-        <p:spPr>
-          <a:xfrm>
-            <a:off x="20" y="10"/>
-            <a:ext cx="12191980" cy="6857991"/>
-          </a:xfrm>
-          <a:prstGeom prst="rect">
-            <a:avLst/>
-          </a:prstGeom>
-        </p:spPr>
-      </p:pic>
-      <p:sp>
-        <p:nvSpPr>
-          <p:cNvPr id="2" name="Title 1">
-            <a:extLst>
-              <a:ext uri="{FF2B5EF4-FFF2-40B4-BE49-F238E27FC236}">
-                <a16:creationId xmlns:a16="http://schemas.microsoft.com/office/drawing/2014/main" id="{A4269162-A3AB-4D38-8019-28F15533A268}"/>
-              </a:ext>
-            </a:extLst>
-          </p:cNvPr>
-          <p:cNvSpPr>
-            <a:spLocks noGrp="1"/>
-          </p:cNvSpPr>
-          <p:nvPr>
-            <p:ph type="ctrTitle"/>
-          </p:nvPr>
-        </p:nvSpPr>
-        <p:spPr/>
-        <p:txBody>
-          <a:bodyPr>
-            <a:normAutofit/>
-          </a:bodyPr>
-          <a:lstStyle/>
-          <a:p>
-            <a:r>
-              <a:rPr lang="en-US" dirty="0"/>
-              <a:t>Developing the API Business Rules</a:t>
-            </a:r>
-          </a:p>
-        </p:txBody>
-      </p:sp>
-      <p:sp>
-        <p:nvSpPr>
-          <p:cNvPr id="3" name="Subtitle 2">
-            <a:extLst>
-              <a:ext uri="{FF2B5EF4-FFF2-40B4-BE49-F238E27FC236}">
-                <a16:creationId xmlns:a16="http://schemas.microsoft.com/office/drawing/2014/main" id="{3C055530-7E06-4073-BB91-4644696C37BF}"/>
-              </a:ext>
-            </a:extLst>
-          </p:cNvPr>
-          <p:cNvSpPr>
-            <a:spLocks noGrp="1"/>
-          </p:cNvSpPr>
-          <p:nvPr>
-            <p:ph type="subTitle" idx="1"/>
-          </p:nvPr>
-        </p:nvSpPr>
-        <p:spPr/>
-        <p:txBody>
-          <a:bodyPr>
-            <a:normAutofit/>
-          </a:bodyPr>
-          <a:lstStyle/>
-          <a:p>
-            <a:r>
-              <a:rPr lang="en-US" b="0" i="0" dirty="0">
-                <a:solidFill>
-                  <a:schemeClr val="tx1"/>
-                </a:solidFill>
-                <a:effectLst/>
-                <a:latin typeface="Roboto" panose="02000000000000000000" pitchFamily="2" charset="0"/>
-              </a:rPr>
-              <a:t>Learn to Produce Effective</a:t>
-            </a:r>
-            <a:br>
-              <a:rPr lang="en-US" dirty="0">
-                <a:solidFill>
-                  <a:schemeClr val="tx1"/>
-                </a:solidFill>
-              </a:rPr>
-            </a:br>
-            <a:r>
-              <a:rPr lang="en-US" b="0" i="0" dirty="0">
-                <a:solidFill>
-                  <a:schemeClr val="tx1"/>
-                </a:solidFill>
-                <a:effectLst/>
-                <a:latin typeface="Roboto" panose="02000000000000000000" pitchFamily="2" charset="0"/>
-              </a:rPr>
-              <a:t>Web APIs with ASP.NET 5</a:t>
-            </a:r>
-            <a:endParaRPr lang="en-US" dirty="0">
-              <a:solidFill>
-                <a:schemeClr val="tx1"/>
-              </a:solidFill>
-            </a:endParaRPr>
-          </a:p>
-        </p:txBody>
-      </p:sp>
-    </p:spTree>
-    <p:extLst>
-      <p:ext uri="{BB962C8B-B14F-4D97-AF65-F5344CB8AC3E}">
-        <p14:creationId xmlns:p14="http://schemas.microsoft.com/office/powerpoint/2010/main" val="690398364"/>
-      </p:ext>
-    </p:extLst>
-  </p:cSld>
-  <p:clrMapOvr>
-    <a:masterClrMapping/>
-  </p:clrMapOvr>
-</p:sld>
-</file>
-
-<file path=ppt/slides/slide3.xml><?xml version="1.0" encoding="utf-8"?>
-<p:sld xmlns:a="http://schemas.openxmlformats.org/drawingml/2006/main" xmlns:r="http://schemas.openxmlformats.org/officeDocument/2006/relationships" xmlns:p="http://schemas.openxmlformats.org/presentationml/2006/main">
-  <p:cSld>
-    <p:spTree>
-      <p:nvGrpSpPr>
-        <p:cNvPr id="1" name=""/>
-        <p:cNvGrpSpPr/>
-        <p:nvPr/>
-      </p:nvGrpSpPr>
-      <p:grpSpPr>
-        <a:xfrm>
-          <a:off x="0" y="0"/>
-          <a:ext cx="0" cy="0"/>
-          <a:chOff x="0" y="0"/>
-          <a:chExt cx="0" cy="0"/>
-        </a:xfrm>
-      </p:grpSpPr>
-      <p:sp>
-        <p:nvSpPr>
-          <p:cNvPr id="2" name="Title 1">
-            <a:extLst>
-              <a:ext uri="{FF2B5EF4-FFF2-40B4-BE49-F238E27FC236}">
-                <a16:creationId xmlns:a16="http://schemas.microsoft.com/office/drawing/2014/main" id="{A4C3B14C-8B27-4499-8B10-ED1AE6ABE864}"/>
-              </a:ext>
-            </a:extLst>
-          </p:cNvPr>
-          <p:cNvSpPr>
-            <a:spLocks noGrp="1"/>
-          </p:cNvSpPr>
-          <p:nvPr>
-            <p:ph type="title"/>
-          </p:nvPr>
-        </p:nvSpPr>
-        <p:spPr/>
-        <p:txBody>
-          <a:bodyPr/>
-          <a:lstStyle/>
-          <a:p>
-            <a:r>
-              <a:rPr lang="en-US" dirty="0"/>
-              <a:t>FluentValidation</a:t>
-            </a:r>
-          </a:p>
-        </p:txBody>
-      </p:sp>
-      <p:sp>
-        <p:nvSpPr>
-          <p:cNvPr id="3" name="Content Placeholder 2">
-            <a:extLst>
-              <a:ext uri="{FF2B5EF4-FFF2-40B4-BE49-F238E27FC236}">
-                <a16:creationId xmlns:a16="http://schemas.microsoft.com/office/drawing/2014/main" id="{B8D30C4C-EC32-47DB-A0AC-9874BCE31343}"/>
-              </a:ext>
-            </a:extLst>
-          </p:cNvPr>
-          <p:cNvSpPr>
-            <a:spLocks noGrp="1"/>
-          </p:cNvSpPr>
-          <p:nvPr>
-            <p:ph idx="1"/>
-          </p:nvPr>
-        </p:nvSpPr>
-        <p:spPr>
-          <a:xfrm>
-            <a:off x="1097280" y="1845734"/>
-            <a:ext cx="10058400" cy="478366"/>
-          </a:xfrm>
-        </p:spPr>
-        <p:txBody>
-          <a:bodyPr/>
-          <a:lstStyle/>
-          <a:p>
-            <a:r>
-              <a:rPr lang="en-US" sz="2400" dirty="0"/>
-              <a:t>FluentValidation is a .NET library for building strongly-typed validation rules.</a:t>
-            </a:r>
-          </a:p>
-          <a:p>
-            <a:endParaRPr lang="en-US" dirty="0"/>
-          </a:p>
-          <a:p>
-            <a:endParaRPr lang="en-US" dirty="0"/>
-          </a:p>
-          <a:p>
-            <a:endParaRPr lang="en-US" dirty="0"/>
-          </a:p>
-        </p:txBody>
-      </p:sp>
-      <p:sp>
-        <p:nvSpPr>
-          <p:cNvPr id="5" name="TextBox 4">
-            <a:extLst>
-              <a:ext uri="{FF2B5EF4-FFF2-40B4-BE49-F238E27FC236}">
-                <a16:creationId xmlns:a16="http://schemas.microsoft.com/office/drawing/2014/main" id="{AB0C5B38-7656-42A1-87B3-26A7C7B3D217}"/>
-              </a:ext>
-            </a:extLst>
-          </p:cNvPr>
-          <p:cNvSpPr txBox="1"/>
-          <p:nvPr/>
-        </p:nvSpPr>
-        <p:spPr>
-          <a:xfrm>
-            <a:off x="1097280" y="2432474"/>
-            <a:ext cx="10256520" cy="3785652"/>
-          </a:xfrm>
-          <a:prstGeom prst="rect">
-            <a:avLst/>
-          </a:prstGeom>
-          <a:noFill/>
-        </p:spPr>
-        <p:txBody>
-          <a:bodyPr wrap="square">
-            <a:spAutoFit/>
-          </a:bodyPr>
-          <a:lstStyle/>
-          <a:p>
-            <a:r>
-              <a:rPr lang="en-US" sz="2400" dirty="0">
-                <a:solidFill>
-                  <a:schemeClr val="accent5">
-                    <a:lumMod val="40000"/>
-                    <a:lumOff val="60000"/>
-                  </a:schemeClr>
-                </a:solidFill>
-              </a:rPr>
-              <a:t>public class </a:t>
-            </a:r>
-            <a:r>
-              <a:rPr lang="en-US" sz="2400" dirty="0" err="1">
-                <a:solidFill>
-                  <a:schemeClr val="accent5">
-                    <a:lumMod val="40000"/>
-                    <a:lumOff val="60000"/>
-                  </a:schemeClr>
-                </a:solidFill>
-              </a:rPr>
-              <a:t>AlbumValidator</a:t>
-            </a:r>
-            <a:r>
-              <a:rPr lang="en-US" sz="2400" dirty="0">
-                <a:solidFill>
-                  <a:schemeClr val="accent5">
-                    <a:lumMod val="40000"/>
-                    <a:lumOff val="60000"/>
-                  </a:schemeClr>
-                </a:solidFill>
-              </a:rPr>
-              <a:t> : </a:t>
-            </a:r>
-            <a:r>
-              <a:rPr lang="en-US" sz="2400" dirty="0" err="1">
-                <a:solidFill>
-                  <a:schemeClr val="accent5">
-                    <a:lumMod val="40000"/>
-                    <a:lumOff val="60000"/>
-                  </a:schemeClr>
-                </a:solidFill>
-              </a:rPr>
-              <a:t>AbstractValidator</a:t>
-            </a:r>
-            <a:r>
-              <a:rPr lang="en-US" sz="2400" dirty="0">
-                <a:solidFill>
-                  <a:schemeClr val="accent5">
-                    <a:lumMod val="40000"/>
-                    <a:lumOff val="60000"/>
-                  </a:schemeClr>
-                </a:solidFill>
-              </a:rPr>
-              <a:t>&lt;</a:t>
-            </a:r>
-            <a:r>
-              <a:rPr lang="en-US" sz="2400" dirty="0" err="1">
-                <a:solidFill>
-                  <a:schemeClr val="accent5">
-                    <a:lumMod val="40000"/>
-                    <a:lumOff val="60000"/>
-                  </a:schemeClr>
-                </a:solidFill>
-              </a:rPr>
-              <a:t>AlbumApiModel</a:t>
-            </a:r>
-            <a:r>
-              <a:rPr lang="en-US" sz="2400" dirty="0">
-                <a:solidFill>
-                  <a:schemeClr val="accent5">
-                    <a:lumMod val="40000"/>
-                    <a:lumOff val="60000"/>
-                  </a:schemeClr>
-                </a:solidFill>
-              </a:rPr>
-              <a:t>&gt;</a:t>
-            </a:r>
-          </a:p>
-          <a:p>
-            <a:r>
-              <a:rPr lang="en-US" sz="2400" dirty="0">
-                <a:solidFill>
-                  <a:schemeClr val="accent5">
-                    <a:lumMod val="40000"/>
-                    <a:lumOff val="60000"/>
-                  </a:schemeClr>
-                </a:solidFill>
-              </a:rPr>
-              <a:t>{</a:t>
-            </a:r>
-          </a:p>
-          <a:p>
-            <a:r>
-              <a:rPr lang="en-US" sz="2400" dirty="0">
-                <a:solidFill>
-                  <a:schemeClr val="accent5">
-                    <a:lumMod val="40000"/>
-                    <a:lumOff val="60000"/>
-                  </a:schemeClr>
-                </a:solidFill>
-              </a:rPr>
-              <a:t>    public </a:t>
-            </a:r>
-            <a:r>
-              <a:rPr lang="en-US" sz="2400" dirty="0" err="1">
-                <a:solidFill>
-                  <a:schemeClr val="accent5">
-                    <a:lumMod val="40000"/>
-                    <a:lumOff val="60000"/>
-                  </a:schemeClr>
-                </a:solidFill>
-              </a:rPr>
-              <a:t>AlbumValidator</a:t>
-            </a:r>
-            <a:r>
-              <a:rPr lang="en-US" sz="2400" dirty="0">
-                <a:solidFill>
-                  <a:schemeClr val="accent5">
-                    <a:lumMod val="40000"/>
-                    <a:lumOff val="60000"/>
-                  </a:schemeClr>
-                </a:solidFill>
-              </a:rPr>
-              <a:t>()</a:t>
-            </a:r>
-          </a:p>
-          <a:p>
-            <a:r>
-              <a:rPr lang="en-US" sz="2400" dirty="0">
-                <a:solidFill>
-                  <a:schemeClr val="accent5">
-                    <a:lumMod val="40000"/>
-                    <a:lumOff val="60000"/>
-                  </a:schemeClr>
-                </a:solidFill>
-              </a:rPr>
-              <a:t>    {</a:t>
-            </a:r>
-          </a:p>
-          <a:p>
-            <a:r>
-              <a:rPr lang="en-US" sz="2400" dirty="0">
-                <a:solidFill>
-                  <a:schemeClr val="accent5">
-                    <a:lumMod val="40000"/>
-                    <a:lumOff val="60000"/>
-                  </a:schemeClr>
-                </a:solidFill>
-              </a:rPr>
-              <a:t>        </a:t>
-            </a:r>
-            <a:r>
-              <a:rPr lang="en-US" sz="2400" dirty="0" err="1">
-                <a:solidFill>
-                  <a:schemeClr val="accent5">
-                    <a:lumMod val="40000"/>
-                    <a:lumOff val="60000"/>
-                  </a:schemeClr>
-                </a:solidFill>
-              </a:rPr>
-              <a:t>RuleFor</a:t>
-            </a:r>
-            <a:r>
-              <a:rPr lang="en-US" sz="2400" dirty="0">
-                <a:solidFill>
-                  <a:schemeClr val="accent5">
-                    <a:lumMod val="40000"/>
-                    <a:lumOff val="60000"/>
-                  </a:schemeClr>
-                </a:solidFill>
-              </a:rPr>
-              <a:t>(a =&gt; </a:t>
-            </a:r>
-            <a:r>
-              <a:rPr lang="en-US" sz="2400" dirty="0" err="1">
-                <a:solidFill>
-                  <a:schemeClr val="accent5">
-                    <a:lumMod val="40000"/>
-                    <a:lumOff val="60000"/>
-                  </a:schemeClr>
-                </a:solidFill>
-              </a:rPr>
-              <a:t>a.Title</a:t>
-            </a:r>
-            <a:r>
-              <a:rPr lang="en-US" sz="2400" dirty="0">
-                <a:solidFill>
-                  <a:schemeClr val="accent5">
-                    <a:lumMod val="40000"/>
-                    <a:lumOff val="60000"/>
-                  </a:schemeClr>
-                </a:solidFill>
-              </a:rPr>
-              <a:t>).</a:t>
-            </a:r>
-            <a:r>
-              <a:rPr lang="en-US" sz="2400" dirty="0" err="1">
-                <a:solidFill>
-                  <a:schemeClr val="accent5">
-                    <a:lumMod val="40000"/>
-                    <a:lumOff val="60000"/>
-                  </a:schemeClr>
-                </a:solidFill>
-              </a:rPr>
-              <a:t>NotNull</a:t>
-            </a:r>
-            <a:r>
-              <a:rPr lang="en-US" sz="2400" dirty="0">
-                <a:solidFill>
-                  <a:schemeClr val="accent5">
-                    <a:lumMod val="40000"/>
-                    <a:lumOff val="60000"/>
-                  </a:schemeClr>
-                </a:solidFill>
-              </a:rPr>
-              <a:t>();</a:t>
-            </a:r>
-          </a:p>
-          <a:p>
-            <a:r>
-              <a:rPr lang="en-US" sz="2400" dirty="0">
-                <a:solidFill>
-                  <a:schemeClr val="accent5">
-                    <a:lumMod val="40000"/>
-                    <a:lumOff val="60000"/>
-                  </a:schemeClr>
-                </a:solidFill>
-              </a:rPr>
-              <a:t>        </a:t>
-            </a:r>
-            <a:r>
-              <a:rPr lang="en-US" sz="2400" dirty="0" err="1">
-                <a:solidFill>
-                  <a:schemeClr val="accent5">
-                    <a:lumMod val="40000"/>
-                    <a:lumOff val="60000"/>
-                  </a:schemeClr>
-                </a:solidFill>
-              </a:rPr>
-              <a:t>RuleFor</a:t>
-            </a:r>
-            <a:r>
-              <a:rPr lang="en-US" sz="2400" dirty="0">
-                <a:solidFill>
-                  <a:schemeClr val="accent5">
-                    <a:lumMod val="40000"/>
-                    <a:lumOff val="60000"/>
-                  </a:schemeClr>
-                </a:solidFill>
-              </a:rPr>
-              <a:t>(a =&gt; </a:t>
-            </a:r>
-            <a:r>
-              <a:rPr lang="en-US" sz="2400" dirty="0" err="1">
-                <a:solidFill>
-                  <a:schemeClr val="accent5">
-                    <a:lumMod val="40000"/>
-                    <a:lumOff val="60000"/>
-                  </a:schemeClr>
-                </a:solidFill>
-              </a:rPr>
-              <a:t>a.Title</a:t>
-            </a:r>
-            <a:r>
-              <a:rPr lang="en-US" sz="2400" dirty="0">
-                <a:solidFill>
-                  <a:schemeClr val="accent5">
-                    <a:lumMod val="40000"/>
-                    <a:lumOff val="60000"/>
-                  </a:schemeClr>
-                </a:solidFill>
-              </a:rPr>
-              <a:t>).</a:t>
-            </a:r>
-            <a:r>
-              <a:rPr lang="en-US" sz="2400" dirty="0" err="1">
-                <a:solidFill>
-                  <a:schemeClr val="accent5">
-                    <a:lumMod val="40000"/>
-                    <a:lumOff val="60000"/>
-                  </a:schemeClr>
-                </a:solidFill>
-              </a:rPr>
-              <a:t>MinimumLength</a:t>
-            </a:r>
-            <a:r>
-              <a:rPr lang="en-US" sz="2400" dirty="0">
-                <a:solidFill>
-                  <a:schemeClr val="accent5">
-                    <a:lumMod val="40000"/>
-                    <a:lumOff val="60000"/>
-                  </a:schemeClr>
-                </a:solidFill>
-              </a:rPr>
-              <a:t>(3);</a:t>
-            </a:r>
-          </a:p>
-          <a:p>
-            <a:r>
-              <a:rPr lang="en-US" sz="2400" dirty="0">
-                <a:solidFill>
-                  <a:schemeClr val="accent5">
-                    <a:lumMod val="40000"/>
-                    <a:lumOff val="60000"/>
-                  </a:schemeClr>
-                </a:solidFill>
-              </a:rPr>
-              <a:t>        </a:t>
-            </a:r>
-            <a:r>
-              <a:rPr lang="en-US" sz="2400" dirty="0" err="1">
-                <a:solidFill>
-                  <a:schemeClr val="accent5">
-                    <a:lumMod val="40000"/>
-                    <a:lumOff val="60000"/>
-                  </a:schemeClr>
-                </a:solidFill>
-              </a:rPr>
-              <a:t>RuleFor</a:t>
-            </a:r>
-            <a:r>
-              <a:rPr lang="en-US" sz="2400" dirty="0">
-                <a:solidFill>
-                  <a:schemeClr val="accent5">
-                    <a:lumMod val="40000"/>
-                    <a:lumOff val="60000"/>
-                  </a:schemeClr>
-                </a:solidFill>
-              </a:rPr>
-              <a:t>(a =&gt; </a:t>
-            </a:r>
-            <a:r>
-              <a:rPr lang="en-US" sz="2400" dirty="0" err="1">
-                <a:solidFill>
-                  <a:schemeClr val="accent5">
-                    <a:lumMod val="40000"/>
-                    <a:lumOff val="60000"/>
-                  </a:schemeClr>
-                </a:solidFill>
-              </a:rPr>
-              <a:t>a.Title</a:t>
-            </a:r>
-            <a:r>
-              <a:rPr lang="en-US" sz="2400" dirty="0">
-                <a:solidFill>
-                  <a:schemeClr val="accent5">
-                    <a:lumMod val="40000"/>
-                    <a:lumOff val="60000"/>
-                  </a:schemeClr>
-                </a:solidFill>
-              </a:rPr>
-              <a:t>).</a:t>
-            </a:r>
-            <a:r>
-              <a:rPr lang="en-US" sz="2400" dirty="0" err="1">
-                <a:solidFill>
-                  <a:schemeClr val="accent5">
-                    <a:lumMod val="40000"/>
-                    <a:lumOff val="60000"/>
-                  </a:schemeClr>
-                </a:solidFill>
-              </a:rPr>
-              <a:t>MaximumLength</a:t>
-            </a:r>
-            <a:r>
-              <a:rPr lang="en-US" sz="2400" dirty="0">
-                <a:solidFill>
-                  <a:schemeClr val="accent5">
-                    <a:lumMod val="40000"/>
-                    <a:lumOff val="60000"/>
-                  </a:schemeClr>
-                </a:solidFill>
-              </a:rPr>
-              <a:t>(160);</a:t>
-            </a:r>
-          </a:p>
-          <a:p>
-            <a:r>
-              <a:rPr lang="en-US" sz="2400" dirty="0">
-                <a:solidFill>
-                  <a:schemeClr val="accent5">
-                    <a:lumMod val="40000"/>
-                    <a:lumOff val="60000"/>
-                  </a:schemeClr>
-                </a:solidFill>
-              </a:rPr>
-              <a:t>        </a:t>
-            </a:r>
-            <a:r>
-              <a:rPr lang="en-US" sz="2400" dirty="0" err="1">
-                <a:solidFill>
-                  <a:schemeClr val="accent5">
-                    <a:lumMod val="40000"/>
-                    <a:lumOff val="60000"/>
-                  </a:schemeClr>
-                </a:solidFill>
-              </a:rPr>
-              <a:t>RuleFor</a:t>
-            </a:r>
-            <a:r>
-              <a:rPr lang="en-US" sz="2400" dirty="0">
-                <a:solidFill>
-                  <a:schemeClr val="accent5">
-                    <a:lumMod val="40000"/>
-                    <a:lumOff val="60000"/>
-                  </a:schemeClr>
-                </a:solidFill>
-              </a:rPr>
-              <a:t>(a =&gt; </a:t>
-            </a:r>
-            <a:r>
-              <a:rPr lang="en-US" sz="2400" dirty="0" err="1">
-                <a:solidFill>
-                  <a:schemeClr val="accent5">
-                    <a:lumMod val="40000"/>
-                    <a:lumOff val="60000"/>
-                  </a:schemeClr>
-                </a:solidFill>
-              </a:rPr>
-              <a:t>a.ArtistId</a:t>
-            </a:r>
-            <a:r>
-              <a:rPr lang="en-US" sz="2400" dirty="0">
-                <a:solidFill>
-                  <a:schemeClr val="accent5">
-                    <a:lumMod val="40000"/>
-                    <a:lumOff val="60000"/>
-                  </a:schemeClr>
-                </a:solidFill>
-              </a:rPr>
-              <a:t>).</a:t>
-            </a:r>
-            <a:r>
-              <a:rPr lang="en-US" sz="2400" dirty="0" err="1">
-                <a:solidFill>
-                  <a:schemeClr val="accent5">
-                    <a:lumMod val="40000"/>
-                    <a:lumOff val="60000"/>
-                  </a:schemeClr>
-                </a:solidFill>
-              </a:rPr>
-              <a:t>NotNull</a:t>
-            </a:r>
-            <a:r>
-              <a:rPr lang="en-US" sz="2400" dirty="0">
-                <a:solidFill>
-                  <a:schemeClr val="accent5">
-                    <a:lumMod val="40000"/>
-                    <a:lumOff val="60000"/>
-                  </a:schemeClr>
-                </a:solidFill>
-              </a:rPr>
-              <a:t>();</a:t>
-            </a:r>
-          </a:p>
-          <a:p>
-            <a:r>
-              <a:rPr lang="en-US" sz="2400" dirty="0">
-                <a:solidFill>
-                  <a:schemeClr val="accent5">
-                    <a:lumMod val="40000"/>
-                    <a:lumOff val="60000"/>
-                  </a:schemeClr>
-                </a:solidFill>
-              </a:rPr>
-              <a:t>    }</a:t>
-            </a:r>
-          </a:p>
-          <a:p>
-            <a:r>
-              <a:rPr lang="en-US" sz="2400" dirty="0">
-                <a:solidFill>
-                  <a:schemeClr val="accent5">
-                    <a:lumMod val="40000"/>
-                    <a:lumOff val="60000"/>
-                  </a:schemeClr>
-                </a:solidFill>
-              </a:rPr>
-              <a:t>}</a:t>
-            </a:r>
-          </a:p>
-        </p:txBody>
-      </p:sp>
-    </p:spTree>
-    <p:extLst>
-      <p:ext uri="{BB962C8B-B14F-4D97-AF65-F5344CB8AC3E}">
-        <p14:creationId xmlns:p14="http://schemas.microsoft.com/office/powerpoint/2010/main" val="4053350145"/>
-      </p:ext>
-    </p:extLst>
-  </p:cSld>
-  <p:clrMapOvr>
-    <a:masterClrMapping/>
-  </p:clrMapOvr>
-</p:sld>
-</file>
-
-<file path=ppt/slides/slide4.xml><?xml version="1.0" encoding="utf-8"?>
-<p:sld xmlns:a="http://schemas.openxmlformats.org/drawingml/2006/main" xmlns:r="http://schemas.openxmlformats.org/officeDocument/2006/relationships" xmlns:p="http://schemas.openxmlformats.org/presentationml/2006/main">
-  <p:cSld>
-    <p:spTree>
-      <p:nvGrpSpPr>
-        <p:cNvPr id="1" name=""/>
-        <p:cNvGrpSpPr/>
-        <p:nvPr/>
-      </p:nvGrpSpPr>
-      <p:grpSpPr>
-        <a:xfrm>
-          <a:off x="0" y="0"/>
-          <a:ext cx="0" cy="0"/>
-          <a:chOff x="0" y="0"/>
-          <a:chExt cx="0" cy="0"/>
-        </a:xfrm>
-      </p:grpSpPr>
-      <p:sp>
-        <p:nvSpPr>
-          <p:cNvPr id="2" name="Title 1">
-            <a:extLst>
-              <a:ext uri="{FF2B5EF4-FFF2-40B4-BE49-F238E27FC236}">
-                <a16:creationId xmlns:a16="http://schemas.microsoft.com/office/drawing/2014/main" id="{82E09C43-93CD-427C-B5C4-BF1AF2BF73EC}"/>
-              </a:ext>
-            </a:extLst>
-          </p:cNvPr>
-          <p:cNvSpPr>
-            <a:spLocks noGrp="1"/>
-          </p:cNvSpPr>
-          <p:nvPr>
-            <p:ph type="title"/>
-          </p:nvPr>
-        </p:nvSpPr>
-        <p:spPr/>
-        <p:txBody>
-          <a:bodyPr/>
-          <a:lstStyle/>
-          <a:p>
-            <a:r>
-              <a:rPr lang="en-US" dirty="0"/>
-              <a:t>CORS</a:t>
-            </a:r>
-          </a:p>
-        </p:txBody>
-      </p:sp>
-      <p:sp>
-        <p:nvSpPr>
-          <p:cNvPr id="3" name="Content Placeholder 2">
-            <a:extLst>
-              <a:ext uri="{FF2B5EF4-FFF2-40B4-BE49-F238E27FC236}">
-                <a16:creationId xmlns:a16="http://schemas.microsoft.com/office/drawing/2014/main" id="{39FE521D-A643-4829-AEAA-7F1F49E58D01}"/>
-              </a:ext>
-            </a:extLst>
-          </p:cNvPr>
-          <p:cNvSpPr>
-            <a:spLocks noGrp="1"/>
-          </p:cNvSpPr>
-          <p:nvPr>
-            <p:ph idx="1"/>
-          </p:nvPr>
-        </p:nvSpPr>
-        <p:spPr/>
-        <p:txBody>
-          <a:bodyPr>
-            <a:normAutofit/>
-          </a:bodyPr>
-          <a:lstStyle/>
-          <a:p>
-            <a:r>
-              <a:rPr lang="en-US" sz="4400" dirty="0"/>
-              <a:t>2 Ways to set up CORS in your Web API</a:t>
-            </a:r>
-          </a:p>
-          <a:p>
-            <a:r>
-              <a:rPr lang="en-US" sz="4400" dirty="0">
-                <a:solidFill>
-                  <a:schemeClr val="accent5"/>
-                </a:solidFill>
-              </a:rPr>
-              <a:t>Annotations in your Controllers or Actions</a:t>
-            </a:r>
-          </a:p>
-          <a:p>
-            <a:r>
-              <a:rPr lang="en-US" sz="4400" dirty="0"/>
-              <a:t>or</a:t>
-            </a:r>
-          </a:p>
-          <a:p>
-            <a:r>
-              <a:rPr lang="en-US" sz="4400" dirty="0">
-                <a:solidFill>
-                  <a:schemeClr val="accent2"/>
-                </a:solidFill>
-              </a:rPr>
-              <a:t>Set up a Policy in Startup and assign in Configure().</a:t>
-            </a:r>
-          </a:p>
-        </p:txBody>
-      </p:sp>
-    </p:spTree>
-    <p:extLst>
-      <p:ext uri="{BB962C8B-B14F-4D97-AF65-F5344CB8AC3E}">
-        <p14:creationId xmlns:p14="http://schemas.microsoft.com/office/powerpoint/2010/main" val="299903193"/>
-      </p:ext>
-    </p:extLst>
-  </p:cSld>
-  <p:clrMapOvr>
-    <a:masterClrMapping/>
-  </p:clrMapOvr>
-</p:sld>
-</file>
-
-<file path=ppt/slides/slide5.xml><?xml version="1.0" encoding="utf-8"?>
-<p:sld xmlns:a="http://schemas.openxmlformats.org/drawingml/2006/main" xmlns:r="http://schemas.openxmlformats.org/officeDocument/2006/relationships" xmlns:p="http://schemas.openxmlformats.org/presentationml/2006/main">
-  <p:cSld>
-    <p:spTree>
-      <p:nvGrpSpPr>
-        <p:cNvPr id="1" name=""/>
-        <p:cNvGrpSpPr/>
-        <p:nvPr/>
-      </p:nvGrpSpPr>
-      <p:grpSpPr>
-        <a:xfrm>
-          <a:off x="0" y="0"/>
-          <a:ext cx="0" cy="0"/>
-          <a:chOff x="0" y="0"/>
-          <a:chExt cx="0" cy="0"/>
-        </a:xfrm>
-      </p:grpSpPr>
-      <p:sp>
-        <p:nvSpPr>
-          <p:cNvPr id="2" name="Title 1">
-            <a:extLst>
-              <a:ext uri="{FF2B5EF4-FFF2-40B4-BE49-F238E27FC236}">
-                <a16:creationId xmlns:a16="http://schemas.microsoft.com/office/drawing/2014/main" id="{57804EDB-317F-4E5F-B0DB-F136E4785397}"/>
-              </a:ext>
-            </a:extLst>
-          </p:cNvPr>
-          <p:cNvSpPr>
-            <a:spLocks noGrp="1"/>
-          </p:cNvSpPr>
-          <p:nvPr>
-            <p:ph type="title"/>
-          </p:nvPr>
-        </p:nvSpPr>
-        <p:spPr/>
-        <p:txBody>
-          <a:bodyPr/>
-          <a:lstStyle/>
-          <a:p>
-            <a:r>
-              <a:rPr lang="en-US" dirty="0"/>
-              <a:t>CORS</a:t>
-            </a:r>
-          </a:p>
-        </p:txBody>
-      </p:sp>
-      <p:sp>
-        <p:nvSpPr>
-          <p:cNvPr id="3" name="Content Placeholder 2">
-            <a:extLst>
-              <a:ext uri="{FF2B5EF4-FFF2-40B4-BE49-F238E27FC236}">
-                <a16:creationId xmlns:a16="http://schemas.microsoft.com/office/drawing/2014/main" id="{A3B6E6D2-92B5-4942-A509-D48D995ACAE3}"/>
-              </a:ext>
-            </a:extLst>
-          </p:cNvPr>
-          <p:cNvSpPr>
-            <a:spLocks noGrp="1"/>
-          </p:cNvSpPr>
-          <p:nvPr>
-            <p:ph idx="1"/>
-          </p:nvPr>
-        </p:nvSpPr>
-        <p:spPr/>
-        <p:txBody>
-          <a:bodyPr>
-            <a:normAutofit fontScale="85000" lnSpcReduction="20000"/>
-          </a:bodyPr>
-          <a:lstStyle/>
-          <a:p>
-            <a:r>
-              <a:rPr lang="en-US" dirty="0"/>
-              <a:t>[Route("api/[controller]")]</a:t>
-            </a:r>
-          </a:p>
-          <a:p>
-            <a:r>
-              <a:rPr lang="en-US" dirty="0"/>
-              <a:t>[</a:t>
-            </a:r>
-            <a:r>
-              <a:rPr lang="en-US" dirty="0" err="1"/>
-              <a:t>ApiController</a:t>
-            </a:r>
-            <a:r>
-              <a:rPr lang="en-US" dirty="0"/>
-              <a:t>]</a:t>
-            </a:r>
-          </a:p>
-          <a:p>
-            <a:r>
-              <a:rPr lang="en-US" dirty="0"/>
-              <a:t>public class </a:t>
-            </a:r>
-            <a:r>
-              <a:rPr lang="en-US" dirty="0" err="1"/>
-              <a:t>WidgetController</a:t>
-            </a:r>
-            <a:r>
-              <a:rPr lang="en-US" dirty="0"/>
-              <a:t> : </a:t>
-            </a:r>
-            <a:r>
-              <a:rPr lang="en-US" dirty="0" err="1"/>
-              <a:t>ControllerBase</a:t>
-            </a:r>
-            <a:endParaRPr lang="en-US" dirty="0"/>
-          </a:p>
-          <a:p>
-            <a:r>
-              <a:rPr lang="en-US" dirty="0"/>
-              <a:t>{</a:t>
-            </a:r>
-          </a:p>
-          <a:p>
-            <a:r>
-              <a:rPr lang="en-US" dirty="0"/>
-              <a:t>    // GET api/values</a:t>
-            </a:r>
-          </a:p>
-          <a:p>
-            <a:r>
-              <a:rPr lang="en-US" dirty="0">
-                <a:highlight>
-                  <a:srgbClr val="800000"/>
-                </a:highlight>
-              </a:rPr>
-              <a:t>    [</a:t>
-            </a:r>
-            <a:r>
-              <a:rPr lang="en-US" dirty="0" err="1">
-                <a:highlight>
-                  <a:srgbClr val="800000"/>
-                </a:highlight>
-              </a:rPr>
-              <a:t>EnableCors</a:t>
-            </a:r>
-            <a:r>
-              <a:rPr lang="en-US" dirty="0">
-                <a:highlight>
-                  <a:srgbClr val="800000"/>
-                </a:highlight>
-              </a:rPr>
-              <a:t>("</a:t>
-            </a:r>
-            <a:r>
-              <a:rPr lang="en-US" sz="2000" dirty="0">
-                <a:highlight>
-                  <a:srgbClr val="800000"/>
-                </a:highlight>
-              </a:rPr>
-              <a:t> </a:t>
-            </a:r>
-            <a:r>
-              <a:rPr lang="en-US" sz="2000" dirty="0" err="1">
-                <a:highlight>
-                  <a:srgbClr val="800000"/>
-                </a:highlight>
-              </a:rPr>
-              <a:t>CorsPolicy</a:t>
-            </a:r>
-            <a:r>
-              <a:rPr lang="en-US" sz="2000" dirty="0">
-                <a:highlight>
-                  <a:srgbClr val="800000"/>
-                </a:highlight>
-              </a:rPr>
-              <a:t> </a:t>
-            </a:r>
-            <a:r>
-              <a:rPr lang="en-US" dirty="0">
-                <a:highlight>
-                  <a:srgbClr val="800000"/>
-                </a:highlight>
-              </a:rPr>
-              <a:t>")]</a:t>
-            </a:r>
-          </a:p>
-          <a:p>
-            <a:r>
-              <a:rPr lang="en-US" dirty="0"/>
-              <a:t>    [</a:t>
-            </a:r>
-            <a:r>
-              <a:rPr lang="en-US" dirty="0" err="1"/>
-              <a:t>HttpGet</a:t>
-            </a:r>
-            <a:r>
-              <a:rPr lang="en-US" dirty="0"/>
-              <a:t>]</a:t>
-            </a:r>
-          </a:p>
-          <a:p>
-            <a:r>
-              <a:rPr lang="en-US" dirty="0"/>
-              <a:t>    public </a:t>
-            </a:r>
-            <a:r>
-              <a:rPr lang="en-US" dirty="0" err="1"/>
-              <a:t>ActionResult</a:t>
-            </a:r>
-            <a:r>
-              <a:rPr lang="en-US" dirty="0"/>
-              <a:t>&lt;IEnumerable&lt;string&gt;&gt; Get()</a:t>
-            </a:r>
-          </a:p>
-          <a:p>
-            <a:r>
-              <a:rPr lang="en-US" dirty="0"/>
-              <a:t>    {</a:t>
-            </a:r>
-          </a:p>
-          <a:p>
-            <a:r>
-              <a:rPr lang="en-US" dirty="0"/>
-              <a:t>        return new string[] { "green widget", "red widget" };</a:t>
-            </a:r>
-          </a:p>
-          <a:p>
-            <a:r>
-              <a:rPr lang="en-US" dirty="0"/>
-              <a:t>    }</a:t>
-            </a:r>
-          </a:p>
-        </p:txBody>
-      </p:sp>
-    </p:spTree>
-    <p:extLst>
-      <p:ext uri="{BB962C8B-B14F-4D97-AF65-F5344CB8AC3E}">
-        <p14:creationId xmlns:p14="http://schemas.microsoft.com/office/powerpoint/2010/main" val="3621990842"/>
-      </p:ext>
-    </p:extLst>
-  </p:cSld>
-  <p:clrMapOvr>
-    <a:masterClrMapping/>
-  </p:clrMapOvr>
-</p:sld>
-</file>
-
-<file path=ppt/slides/slide6.xml><?xml version="1.0" encoding="utf-8"?>
-<p:sld xmlns:a="http://schemas.openxmlformats.org/drawingml/2006/main" xmlns:r="http://schemas.openxmlformats.org/officeDocument/2006/relationships" xmlns:p="http://schemas.openxmlformats.org/presentationml/2006/main">
-  <p:cSld>
-    <p:spTree>
-      <p:nvGrpSpPr>
-        <p:cNvPr id="1" name=""/>
-        <p:cNvGrpSpPr/>
-        <p:nvPr/>
-      </p:nvGrpSpPr>
-      <p:grpSpPr>
-        <a:xfrm>
-          <a:off x="0" y="0"/>
-          <a:ext cx="0" cy="0"/>
-          <a:chOff x="0" y="0"/>
-          <a:chExt cx="0" cy="0"/>
-        </a:xfrm>
-      </p:grpSpPr>
-      <p:sp>
-        <p:nvSpPr>
-          <p:cNvPr id="2" name="Title 1">
-            <a:extLst>
-              <a:ext uri="{FF2B5EF4-FFF2-40B4-BE49-F238E27FC236}">
-                <a16:creationId xmlns:a16="http://schemas.microsoft.com/office/drawing/2014/main" id="{B44793D8-FD6E-4A8C-8536-3B28DADC7AEF}"/>
-              </a:ext>
-            </a:extLst>
-          </p:cNvPr>
-          <p:cNvSpPr>
-            <a:spLocks noGrp="1"/>
-          </p:cNvSpPr>
-          <p:nvPr>
-            <p:ph type="title"/>
-          </p:nvPr>
-        </p:nvSpPr>
-        <p:spPr/>
-        <p:txBody>
-          <a:bodyPr/>
-          <a:lstStyle/>
-          <a:p>
-            <a:r>
-              <a:rPr lang="en-US" dirty="0"/>
-              <a:t>CORS</a:t>
-            </a:r>
-          </a:p>
-        </p:txBody>
-      </p:sp>
-      <p:sp>
-        <p:nvSpPr>
-          <p:cNvPr id="3" name="Content Placeholder 2">
-            <a:extLst>
-              <a:ext uri="{FF2B5EF4-FFF2-40B4-BE49-F238E27FC236}">
-                <a16:creationId xmlns:a16="http://schemas.microsoft.com/office/drawing/2014/main" id="{BBFFBDED-74CC-42AF-857B-A1ABEBDC2D7B}"/>
-              </a:ext>
-            </a:extLst>
-          </p:cNvPr>
-          <p:cNvSpPr>
-            <a:spLocks noGrp="1"/>
-          </p:cNvSpPr>
-          <p:nvPr>
-            <p:ph idx="1"/>
-          </p:nvPr>
-        </p:nvSpPr>
-        <p:spPr/>
-        <p:txBody>
-          <a:bodyPr>
-            <a:normAutofit/>
-          </a:bodyPr>
-          <a:lstStyle/>
-          <a:p>
-            <a:r>
-              <a:rPr lang="en-US" sz="2400" dirty="0"/>
-              <a:t> </a:t>
-            </a:r>
-            <a:r>
-              <a:rPr lang="en-US" sz="2400" dirty="0" err="1"/>
-              <a:t>services.AddCors</a:t>
-            </a:r>
-            <a:r>
-              <a:rPr lang="en-US" sz="2400" dirty="0"/>
-              <a:t>(options =&gt;</a:t>
-            </a:r>
-          </a:p>
-          <a:p>
-            <a:r>
-              <a:rPr lang="en-US" sz="2400" dirty="0"/>
-              <a:t>            {</a:t>
-            </a:r>
-          </a:p>
-          <a:p>
-            <a:r>
-              <a:rPr lang="en-US" sz="2400" dirty="0"/>
-              <a:t>                </a:t>
-            </a:r>
-            <a:r>
-              <a:rPr lang="en-US" sz="2400" dirty="0" err="1"/>
-              <a:t>options.AddPolicy</a:t>
-            </a:r>
-            <a:r>
-              <a:rPr lang="en-US" sz="2400" dirty="0"/>
-              <a:t>("</a:t>
-            </a:r>
-            <a:r>
-              <a:rPr lang="en-US" sz="2400" dirty="0" err="1"/>
-              <a:t>CorsPolicy</a:t>
-            </a:r>
-            <a:r>
-              <a:rPr lang="en-US" sz="2400" dirty="0"/>
-              <a:t>",</a:t>
-            </a:r>
-          </a:p>
-          <a:p>
-            <a:r>
-              <a:rPr lang="en-US" sz="2400" dirty="0"/>
-              <a:t>                    builder =&gt; </a:t>
-            </a:r>
-            <a:r>
-              <a:rPr lang="en-US" sz="2400" dirty="0" err="1"/>
-              <a:t>builder.AllowAnyOrigin</a:t>
-            </a:r>
-            <a:r>
-              <a:rPr lang="en-US" sz="2400" dirty="0"/>
-              <a:t>()</a:t>
-            </a:r>
-          </a:p>
-          <a:p>
-            <a:r>
-              <a:rPr lang="en-US" sz="2400" dirty="0"/>
-              <a:t>                        .</a:t>
-            </a:r>
-            <a:r>
-              <a:rPr lang="en-US" sz="2400" dirty="0" err="1"/>
-              <a:t>AllowAnyMethod</a:t>
-            </a:r>
-            <a:r>
-              <a:rPr lang="en-US" sz="2400" dirty="0"/>
-              <a:t>()</a:t>
-            </a:r>
-          </a:p>
-          <a:p>
-            <a:r>
-              <a:rPr lang="en-US" sz="2400" dirty="0"/>
-              <a:t>                        .</a:t>
-            </a:r>
-            <a:r>
-              <a:rPr lang="en-US" sz="2400" dirty="0" err="1"/>
-              <a:t>AllowAnyHeader</a:t>
-            </a:r>
-            <a:r>
-              <a:rPr lang="en-US" sz="2400" dirty="0"/>
-              <a:t>());</a:t>
-            </a:r>
-          </a:p>
-          <a:p>
-            <a:r>
-              <a:rPr lang="en-US" sz="2400" dirty="0"/>
-              <a:t>            });</a:t>
-            </a:r>
-          </a:p>
-        </p:txBody>
-      </p:sp>
-    </p:spTree>
-    <p:extLst>
-      <p:ext uri="{BB962C8B-B14F-4D97-AF65-F5344CB8AC3E}">
-        <p14:creationId xmlns:p14="http://schemas.microsoft.com/office/powerpoint/2010/main" val="2277267245"/>
-      </p:ext>
-    </p:extLst>
-  </p:cSld>
-  <p:clrMapOvr>
-    <a:masterClrMapping/>
-  </p:clrMapOvr>
-</p:sld>
-</file>
-
-<file path=ppt/slides/slide7.xml><?xml version="1.0" encoding="utf-8"?>
-<p:sld xmlns:a="http://schemas.openxmlformats.org/drawingml/2006/main" xmlns:r="http://schemas.openxmlformats.org/officeDocument/2006/relationships" xmlns:p="http://schemas.openxmlformats.org/presentationml/2006/main">
-  <p:cSld>
-    <p:spTree>
-      <p:nvGrpSpPr>
-        <p:cNvPr id="1" name=""/>
-        <p:cNvGrpSpPr/>
-        <p:nvPr/>
-      </p:nvGrpSpPr>
-      <p:grpSpPr>
-        <a:xfrm>
-          <a:off x="0" y="0"/>
-          <a:ext cx="0" cy="0"/>
-          <a:chOff x="0" y="0"/>
-          <a:chExt cx="0" cy="0"/>
-        </a:xfrm>
-      </p:grpSpPr>
-      <p:sp>
-        <p:nvSpPr>
-          <p:cNvPr id="2" name="Title 1">
-            <a:extLst>
-              <a:ext uri="{FF2B5EF4-FFF2-40B4-BE49-F238E27FC236}">
-                <a16:creationId xmlns:a16="http://schemas.microsoft.com/office/drawing/2014/main" id="{A20AC04D-A984-4F23-B555-92E74792A726}"/>
-              </a:ext>
-            </a:extLst>
-          </p:cNvPr>
-          <p:cNvSpPr>
-            <a:spLocks noGrp="1"/>
-          </p:cNvSpPr>
-          <p:nvPr>
-            <p:ph type="title"/>
-          </p:nvPr>
-        </p:nvSpPr>
-        <p:spPr/>
-        <p:txBody>
-          <a:bodyPr/>
-          <a:lstStyle/>
-          <a:p>
-            <a:r>
-              <a:rPr lang="en-US" dirty="0"/>
-              <a:t>CORS</a:t>
-            </a:r>
-          </a:p>
-        </p:txBody>
-      </p:sp>
-      <p:sp>
-        <p:nvSpPr>
-          <p:cNvPr id="3" name="Content Placeholder 2">
-            <a:extLst>
-              <a:ext uri="{FF2B5EF4-FFF2-40B4-BE49-F238E27FC236}">
-                <a16:creationId xmlns:a16="http://schemas.microsoft.com/office/drawing/2014/main" id="{70C9133A-28BF-4F05-8B71-F5AF24A86A1B}"/>
-              </a:ext>
-            </a:extLst>
-          </p:cNvPr>
-          <p:cNvSpPr>
-            <a:spLocks noGrp="1"/>
-          </p:cNvSpPr>
-          <p:nvPr>
-            <p:ph idx="1"/>
-          </p:nvPr>
-        </p:nvSpPr>
-        <p:spPr/>
-        <p:txBody>
-          <a:bodyPr/>
-          <a:lstStyle/>
-          <a:p>
-            <a:r>
-              <a:rPr lang="en-US" dirty="0"/>
-              <a:t>GET http://myserver.chinookmusicstore.net/api/test HTTP/1.1</a:t>
-            </a:r>
-          </a:p>
-          <a:p>
-            <a:r>
-              <a:rPr lang="en-US" dirty="0" err="1"/>
-              <a:t>Referer</a:t>
-            </a:r>
-            <a:r>
-              <a:rPr lang="en-US" dirty="0"/>
-              <a:t>: http://myclient. chinookmusicstore.net/</a:t>
-            </a:r>
-          </a:p>
-          <a:p>
-            <a:r>
-              <a:rPr lang="en-US" dirty="0"/>
-              <a:t>Accept: */*</a:t>
-            </a:r>
-          </a:p>
-          <a:p>
-            <a:r>
-              <a:rPr lang="en-US" dirty="0"/>
-              <a:t>Accept-Language: </a:t>
-            </a:r>
-            <a:r>
-              <a:rPr lang="en-US" dirty="0" err="1"/>
-              <a:t>en</a:t>
-            </a:r>
-            <a:r>
-              <a:rPr lang="en-US" dirty="0"/>
-              <a:t>-US</a:t>
-            </a:r>
-          </a:p>
-          <a:p>
-            <a:r>
-              <a:rPr lang="en-US" dirty="0">
-                <a:highlight>
-                  <a:srgbClr val="800000"/>
-                </a:highlight>
-              </a:rPr>
-              <a:t>Origin: http://myclient. chinookmusicstore.net</a:t>
-            </a:r>
-          </a:p>
-          <a:p>
-            <a:r>
-              <a:rPr lang="en-US" dirty="0"/>
-              <a:t>Accept-Encoding: </a:t>
-            </a:r>
-            <a:r>
-              <a:rPr lang="en-US" dirty="0" err="1"/>
-              <a:t>gzip</a:t>
-            </a:r>
-            <a:r>
-              <a:rPr lang="en-US" dirty="0"/>
-              <a:t>, deflate</a:t>
-            </a:r>
-          </a:p>
-          <a:p>
-            <a:r>
-              <a:rPr lang="en-US" dirty="0"/>
-              <a:t>User-Agent: Mozilla/5.0 (compatible; MSIE 10.0; Windows NT 6.2; WOW64; Trident/6.0)</a:t>
-            </a:r>
-          </a:p>
-          <a:p>
-            <a:r>
-              <a:rPr lang="en-US" dirty="0"/>
-              <a:t>Host: </a:t>
-            </a:r>
-            <a:r>
-              <a:rPr lang="en-US" dirty="0" err="1"/>
-              <a:t>myservice</a:t>
-            </a:r>
-            <a:r>
-              <a:rPr lang="en-US" dirty="0"/>
-              <a:t>. chinookmusicstore.net</a:t>
-            </a:r>
-          </a:p>
-        </p:txBody>
-      </p:sp>
-    </p:spTree>
-    <p:extLst>
-      <p:ext uri="{BB962C8B-B14F-4D97-AF65-F5344CB8AC3E}">
-        <p14:creationId xmlns:p14="http://schemas.microsoft.com/office/powerpoint/2010/main" val="3983395679"/>
-      </p:ext>
-    </p:extLst>
-  </p:cSld>
-  <p:clrMapOvr>
-    <a:masterClrMapping/>
-  </p:clrMapOvr>
-</p:sld>
-</file>
-
-<file path=ppt/slides/slide8.xml><?xml version="1.0" encoding="utf-8"?>
-<p:sld xmlns:a="http://schemas.openxmlformats.org/drawingml/2006/main" xmlns:r="http://schemas.openxmlformats.org/officeDocument/2006/relationships" xmlns:p="http://schemas.openxmlformats.org/presentationml/2006/main">
-  <p:cSld>
-    <p:spTree>
-      <p:nvGrpSpPr>
-        <p:cNvPr id="1" name=""/>
-        <p:cNvGrpSpPr/>
-        <p:nvPr/>
-      </p:nvGrpSpPr>
-      <p:grpSpPr>
-        <a:xfrm>
-          <a:off x="0" y="0"/>
-          <a:ext cx="0" cy="0"/>
-          <a:chOff x="0" y="0"/>
-          <a:chExt cx="0" cy="0"/>
-        </a:xfrm>
-      </p:grpSpPr>
-      <p:sp>
-        <p:nvSpPr>
-          <p:cNvPr id="2" name="Title 1">
-            <a:extLst>
-              <a:ext uri="{FF2B5EF4-FFF2-40B4-BE49-F238E27FC236}">
-                <a16:creationId xmlns:a16="http://schemas.microsoft.com/office/drawing/2014/main" id="{246FF8A7-F88B-4741-8309-0685A260EECE}"/>
-              </a:ext>
-            </a:extLst>
-          </p:cNvPr>
-          <p:cNvSpPr>
-            <a:spLocks noGrp="1"/>
-          </p:cNvSpPr>
-          <p:nvPr>
-            <p:ph type="title"/>
-          </p:nvPr>
-        </p:nvSpPr>
-        <p:spPr/>
-        <p:txBody>
-          <a:bodyPr/>
-          <a:lstStyle/>
-          <a:p>
-            <a:r>
-              <a:rPr lang="en-US" dirty="0"/>
-              <a:t>CORS</a:t>
-            </a:r>
-          </a:p>
-        </p:txBody>
-      </p:sp>
-      <p:sp>
-        <p:nvSpPr>
-          <p:cNvPr id="3" name="Content Placeholder 2">
-            <a:extLst>
-              <a:ext uri="{FF2B5EF4-FFF2-40B4-BE49-F238E27FC236}">
-                <a16:creationId xmlns:a16="http://schemas.microsoft.com/office/drawing/2014/main" id="{0A7A7162-44F8-4A70-8176-8DC015BDCCD8}"/>
-              </a:ext>
-            </a:extLst>
-          </p:cNvPr>
-          <p:cNvSpPr>
-            <a:spLocks noGrp="1"/>
-          </p:cNvSpPr>
-          <p:nvPr>
-            <p:ph idx="1"/>
-          </p:nvPr>
-        </p:nvSpPr>
-        <p:spPr/>
-        <p:txBody>
-          <a:bodyPr/>
-          <a:lstStyle/>
-          <a:p>
-            <a:r>
-              <a:rPr lang="en-US" dirty="0"/>
-              <a:t>HTTP/1.1 200 OK</a:t>
-            </a:r>
-          </a:p>
-          <a:p>
-            <a:r>
-              <a:rPr lang="en-US" dirty="0"/>
-              <a:t>Cache-Control: no-cache</a:t>
-            </a:r>
-          </a:p>
-          <a:p>
-            <a:r>
-              <a:rPr lang="en-US" dirty="0"/>
-              <a:t>Pragma: no-cache</a:t>
-            </a:r>
-          </a:p>
-          <a:p>
-            <a:r>
-              <a:rPr lang="en-US" dirty="0"/>
-              <a:t>Content-Type: text/plain; charset=utf-8</a:t>
-            </a:r>
-          </a:p>
-          <a:p>
-            <a:r>
-              <a:rPr lang="en-US" dirty="0">
-                <a:highlight>
-                  <a:srgbClr val="800000"/>
-                </a:highlight>
-              </a:rPr>
-              <a:t>Access-Control-Allow-Origin: http://myclient. chinookmusicstore.net</a:t>
-            </a:r>
-          </a:p>
-          <a:p>
-            <a:r>
-              <a:rPr lang="en-US" dirty="0"/>
-              <a:t>Date: Wed, 05 Jun 2013 06:27:30 GMT</a:t>
-            </a:r>
-          </a:p>
-          <a:p>
-            <a:r>
-              <a:rPr lang="en-US" dirty="0"/>
-              <a:t>Content-Length: 17</a:t>
-            </a:r>
-          </a:p>
-        </p:txBody>
-      </p:sp>
-    </p:spTree>
-    <p:extLst>
-      <p:ext uri="{BB962C8B-B14F-4D97-AF65-F5344CB8AC3E}">
-        <p14:creationId xmlns:p14="http://schemas.microsoft.com/office/powerpoint/2010/main" val="1956764379"/>
-      </p:ext>
-    </p:extLst>
-  </p:cSld>
-  <p:clrMapOvr>
-    <a:masterClrMapping/>
-  </p:clrMapOvr>
-</p:sld>
-</file>
-
-<file path=ppt/slides/slide9.xml><?xml version="1.0" encoding="utf-8"?>
-<p:sld xmlns:a="http://schemas.openxmlformats.org/drawingml/2006/main" xmlns:r="http://schemas.openxmlformats.org/officeDocument/2006/relationships" xmlns:p="http://schemas.openxmlformats.org/presentationml/2006/main">
-  <p:cSld>
-    <p:spTree>
-      <p:nvGrpSpPr>
-        <p:cNvPr id="1" name=""/>
-        <p:cNvGrpSpPr/>
-        <p:nvPr/>
-      </p:nvGrpSpPr>
-      <p:grpSpPr>
-        <a:xfrm>
-          <a:off x="0" y="0"/>
-          <a:ext cx="0" cy="0"/>
-          <a:chOff x="0" y="0"/>
-          <a:chExt cx="0" cy="0"/>
-        </a:xfrm>
-      </p:grpSpPr>
-      <p:sp>
-        <p:nvSpPr>
-          <p:cNvPr id="2" name="Title 1">
-            <a:extLst>
-              <a:ext uri="{FF2B5EF4-FFF2-40B4-BE49-F238E27FC236}">
-                <a16:creationId xmlns:a16="http://schemas.microsoft.com/office/drawing/2014/main" id="{0E3DF703-5A53-4FB0-9214-8BCC099AD8DE}"/>
-              </a:ext>
-            </a:extLst>
-          </p:cNvPr>
-          <p:cNvSpPr>
-            <a:spLocks noGrp="1"/>
-          </p:cNvSpPr>
-          <p:nvPr>
-            <p:ph type="title"/>
-          </p:nvPr>
-        </p:nvSpPr>
-        <p:spPr/>
-        <p:txBody>
-          <a:bodyPr/>
-          <a:lstStyle/>
-          <a:p>
-            <a:r>
-              <a:rPr lang="en-US" dirty="0"/>
-              <a:t>CORS</a:t>
-            </a:r>
-          </a:p>
-        </p:txBody>
-      </p:sp>
-      <p:pic>
-        <p:nvPicPr>
-          <p:cNvPr id="5" name="Picture 4">
-            <a:extLst>
-              <a:ext uri="{FF2B5EF4-FFF2-40B4-BE49-F238E27FC236}">
-                <a16:creationId xmlns:a16="http://schemas.microsoft.com/office/drawing/2014/main" id="{F4E8F1CB-B81C-4337-9412-9F5487277C83}"/>
-              </a:ext>
-            </a:extLst>
-          </p:cNvPr>
-          <p:cNvPicPr>
-            <a:picLocks noChangeAspect="1"/>
-          </p:cNvPicPr>
-          <p:nvPr/>
-        </p:nvPicPr>
-        <p:blipFill>
-          <a:blip r:embed="rId2"/>
-          <a:stretch>
-            <a:fillRect/>
-          </a:stretch>
-        </p:blipFill>
-        <p:spPr>
-          <a:xfrm>
-            <a:off x="1097280" y="2025016"/>
-            <a:ext cx="10062726" cy="3433675"/>
-          </a:xfrm>
-          <a:prstGeom prst="rect">
-            <a:avLst/>
-          </a:prstGeom>
-        </p:spPr>
-      </p:pic>
-    </p:spTree>
-    <p:extLst>
-      <p:ext uri="{BB962C8B-B14F-4D97-AF65-F5344CB8AC3E}">
-        <p14:creationId xmlns:p14="http://schemas.microsoft.com/office/powerpoint/2010/main" val="4051259291"/>
-      </p:ext>
-    </p:extLst>
-  </p:cSld>
-  <p:clrMapOvr>
-    <a:masterClrMapping/>
-  </p:clrMapOvr>
 </p:sld>
 </file>
 
